--- a/objectStudy.pptx
+++ b/objectStudy.pptx
@@ -7,9 +7,21 @@
   <p:sldIdLst>
     <p:sldId id="256" r:id="rId2"/>
     <p:sldId id="257" r:id="rId3"/>
-    <p:sldId id="258" r:id="rId4"/>
-    <p:sldId id="259" r:id="rId5"/>
-    <p:sldId id="260" r:id="rId6"/>
+    <p:sldId id="264" r:id="rId4"/>
+    <p:sldId id="265" r:id="rId5"/>
+    <p:sldId id="258" r:id="rId6"/>
+    <p:sldId id="261" r:id="rId7"/>
+    <p:sldId id="259" r:id="rId8"/>
+    <p:sldId id="260" r:id="rId9"/>
+    <p:sldId id="262" r:id="rId10"/>
+    <p:sldId id="263" r:id="rId11"/>
+    <p:sldId id="266" r:id="rId12"/>
+    <p:sldId id="273" r:id="rId13"/>
+    <p:sldId id="267" r:id="rId14"/>
+    <p:sldId id="268" r:id="rId15"/>
+    <p:sldId id="270" r:id="rId16"/>
+    <p:sldId id="271" r:id="rId17"/>
+    <p:sldId id="269" r:id="rId18"/>
   </p:sldIdLst>
   <p:sldSz cx="9144000" cy="6858000" type="screen4x3"/>
   <p:notesSz cx="6858000" cy="9144000"/>
@@ -4504,6 +4516,745 @@
 </p:sld>
 </file>
 
+<file path=ppt/slides/slide10.xml><?xml version="1.0" encoding="utf-8"?>
+<p:sld xmlns:a="http://schemas.openxmlformats.org/drawingml/2006/main" xmlns:r="http://schemas.openxmlformats.org/officeDocument/2006/relationships" xmlns:p="http://schemas.openxmlformats.org/presentationml/2006/main">
+  <p:cSld>
+    <p:spTree>
+      <p:nvGrpSpPr>
+        <p:cNvPr id="1" name=""/>
+        <p:cNvGrpSpPr/>
+        <p:nvPr/>
+      </p:nvGrpSpPr>
+      <p:grpSpPr>
+        <a:xfrm>
+          <a:off x="0" y="0"/>
+          <a:ext cx="0" cy="0"/>
+          <a:chOff x="0" y="0"/>
+          <a:chExt cx="0" cy="0"/>
+        </a:xfrm>
+      </p:grpSpPr>
+      <p:sp>
+        <p:nvSpPr>
+          <p:cNvPr id="2" name="タイトル 1"/>
+          <p:cNvSpPr>
+            <a:spLocks noGrp="1"/>
+          </p:cNvSpPr>
+          <p:nvPr>
+            <p:ph type="title"/>
+          </p:nvPr>
+        </p:nvSpPr>
+        <p:spPr/>
+        <p:txBody>
+          <a:bodyPr/>
+          <a:lstStyle/>
+          <a:p>
+            <a:endParaRPr kumimoji="1" lang="ja-JP" altLang="en-US"/>
+          </a:p>
+        </p:txBody>
+      </p:sp>
+      <p:sp>
+        <p:nvSpPr>
+          <p:cNvPr id="3" name="コンテンツ プレースホルダー 2"/>
+          <p:cNvSpPr>
+            <a:spLocks noGrp="1"/>
+          </p:cNvSpPr>
+          <p:nvPr>
+            <p:ph idx="1"/>
+          </p:nvPr>
+        </p:nvSpPr>
+        <p:spPr/>
+        <p:txBody>
+          <a:bodyPr/>
+          <a:lstStyle/>
+          <a:p>
+            <a:endParaRPr kumimoji="1" lang="ja-JP" altLang="en-US"/>
+          </a:p>
+        </p:txBody>
+      </p:sp>
+    </p:spTree>
+    <p:extLst>
+      <p:ext uri="{BB962C8B-B14F-4D97-AF65-F5344CB8AC3E}">
+        <p14:creationId xmlns:p14="http://schemas.microsoft.com/office/powerpoint/2010/main" val="3488224969"/>
+      </p:ext>
+    </p:extLst>
+  </p:cSld>
+  <p:clrMapOvr>
+    <a:masterClrMapping/>
+  </p:clrMapOvr>
+</p:sld>
+</file>
+
+<file path=ppt/slides/slide11.xml><?xml version="1.0" encoding="utf-8"?>
+<p:sld xmlns:a="http://schemas.openxmlformats.org/drawingml/2006/main" xmlns:r="http://schemas.openxmlformats.org/officeDocument/2006/relationships" xmlns:p="http://schemas.openxmlformats.org/presentationml/2006/main">
+  <p:cSld>
+    <p:spTree>
+      <p:nvGrpSpPr>
+        <p:cNvPr id="1" name=""/>
+        <p:cNvGrpSpPr/>
+        <p:nvPr/>
+      </p:nvGrpSpPr>
+      <p:grpSpPr>
+        <a:xfrm>
+          <a:off x="0" y="0"/>
+          <a:ext cx="0" cy="0"/>
+          <a:chOff x="0" y="0"/>
+          <a:chExt cx="0" cy="0"/>
+        </a:xfrm>
+      </p:grpSpPr>
+      <p:sp>
+        <p:nvSpPr>
+          <p:cNvPr id="2" name="タイトル 1"/>
+          <p:cNvSpPr>
+            <a:spLocks noGrp="1"/>
+          </p:cNvSpPr>
+          <p:nvPr>
+            <p:ph type="title"/>
+          </p:nvPr>
+        </p:nvSpPr>
+        <p:spPr/>
+        <p:txBody>
+          <a:bodyPr/>
+          <a:lstStyle/>
+          <a:p>
+            <a:r>
+              <a:rPr kumimoji="1" lang="ja-JP" altLang="en-US" dirty="0" smtClean="0"/>
+              <a:t>こういうときどうする</a:t>
+            </a:r>
+            <a:endParaRPr kumimoji="1" lang="ja-JP" altLang="en-US" dirty="0"/>
+          </a:p>
+        </p:txBody>
+      </p:sp>
+      <p:sp>
+        <p:nvSpPr>
+          <p:cNvPr id="3" name="コンテンツ プレースホルダー 2"/>
+          <p:cNvSpPr>
+            <a:spLocks noGrp="1"/>
+          </p:cNvSpPr>
+          <p:nvPr>
+            <p:ph idx="1"/>
+          </p:nvPr>
+        </p:nvSpPr>
+        <p:spPr/>
+        <p:txBody>
+          <a:bodyPr/>
+          <a:lstStyle/>
+          <a:p>
+            <a:r>
+              <a:rPr lang="ja-JP" altLang="en-US" dirty="0" smtClean="0"/>
+              <a:t>名前付ける</a:t>
+            </a:r>
+            <a:endParaRPr lang="en-US" altLang="ja-JP" dirty="0" smtClean="0"/>
+          </a:p>
+          <a:p>
+            <a:pPr marL="82296" indent="0">
+              <a:buNone/>
+            </a:pPr>
+            <a:r>
+              <a:rPr lang="ja-JP" altLang="en-US" dirty="0" smtClean="0"/>
+              <a:t>プレイヤー</a:t>
+            </a:r>
+            <a:r>
+              <a:rPr lang="en-US" altLang="ja-JP" dirty="0" smtClean="0"/>
+              <a:t>name</a:t>
+            </a:r>
+            <a:r>
+              <a:rPr lang="ja-JP" altLang="en-US" dirty="0" smtClean="0"/>
+              <a:t>的な変数も追加して</a:t>
+            </a:r>
+            <a:r>
+              <a:rPr lang="en-US" altLang="ja-JP" dirty="0" smtClean="0"/>
+              <a:t>…</a:t>
+            </a:r>
+            <a:endParaRPr kumimoji="1" lang="en-US" altLang="ja-JP" dirty="0" smtClean="0"/>
+          </a:p>
+          <a:p>
+            <a:endParaRPr kumimoji="1" lang="en-US" altLang="ja-JP" dirty="0"/>
+          </a:p>
+          <a:p>
+            <a:r>
+              <a:rPr lang="ja-JP" altLang="en-US" dirty="0" smtClean="0"/>
+              <a:t>人増やす</a:t>
+            </a:r>
+            <a:endParaRPr lang="en-US" altLang="ja-JP" dirty="0" smtClean="0"/>
+          </a:p>
+          <a:p>
+            <a:pPr marL="82296" indent="0">
+              <a:buNone/>
+            </a:pPr>
+            <a:r>
+              <a:rPr kumimoji="1" lang="ja-JP" altLang="en-US" dirty="0" smtClean="0"/>
+              <a:t>結果判定を超カオスにすればできる</a:t>
+            </a:r>
+            <a:r>
+              <a:rPr kumimoji="1" lang="en-US" altLang="ja-JP" dirty="0" smtClean="0"/>
+              <a:t>^q^</a:t>
+            </a:r>
+          </a:p>
+          <a:p>
+            <a:endParaRPr kumimoji="1" lang="en-US" altLang="ja-JP" dirty="0" smtClean="0"/>
+          </a:p>
+          <a:p>
+            <a:r>
+              <a:rPr lang="ja-JP" altLang="en-US" dirty="0" smtClean="0"/>
+              <a:t>戦略を実装</a:t>
+            </a:r>
+            <a:endParaRPr lang="en-US" altLang="ja-JP" dirty="0" smtClean="0"/>
+          </a:p>
+          <a:p>
+            <a:pPr marL="82296" indent="0">
+              <a:buNone/>
+            </a:pPr>
+            <a:r>
+              <a:rPr kumimoji="1" lang="ja-JP" altLang="en-US" dirty="0"/>
+              <a:t>ファッ！？</a:t>
+            </a:r>
+            <a:endParaRPr kumimoji="1" lang="ja-JP" altLang="en-US" dirty="0"/>
+          </a:p>
+        </p:txBody>
+      </p:sp>
+    </p:spTree>
+    <p:extLst>
+      <p:ext uri="{BB962C8B-B14F-4D97-AF65-F5344CB8AC3E}">
+        <p14:creationId xmlns:p14="http://schemas.microsoft.com/office/powerpoint/2010/main" val="3156622035"/>
+      </p:ext>
+    </p:extLst>
+  </p:cSld>
+  <p:clrMapOvr>
+    <a:masterClrMapping/>
+  </p:clrMapOvr>
+</p:sld>
+</file>
+
+<file path=ppt/slides/slide12.xml><?xml version="1.0" encoding="utf-8"?>
+<p:sld xmlns:a="http://schemas.openxmlformats.org/drawingml/2006/main" xmlns:r="http://schemas.openxmlformats.org/officeDocument/2006/relationships" xmlns:p="http://schemas.openxmlformats.org/presentationml/2006/main">
+  <p:cSld>
+    <p:spTree>
+      <p:nvGrpSpPr>
+        <p:cNvPr id="1" name=""/>
+        <p:cNvGrpSpPr/>
+        <p:nvPr/>
+      </p:nvGrpSpPr>
+      <p:grpSpPr>
+        <a:xfrm>
+          <a:off x="0" y="0"/>
+          <a:ext cx="0" cy="0"/>
+          <a:chOff x="0" y="0"/>
+          <a:chExt cx="0" cy="0"/>
+        </a:xfrm>
+      </p:grpSpPr>
+      <p:sp>
+        <p:nvSpPr>
+          <p:cNvPr id="2" name="タイトル 1"/>
+          <p:cNvSpPr>
+            <a:spLocks noGrp="1"/>
+          </p:cNvSpPr>
+          <p:nvPr>
+            <p:ph type="title"/>
+          </p:nvPr>
+        </p:nvSpPr>
+        <p:spPr/>
+        <p:txBody>
+          <a:bodyPr/>
+          <a:lstStyle/>
+          <a:p>
+            <a:r>
+              <a:rPr kumimoji="1" lang="ja-JP" altLang="en-US" dirty="0" smtClean="0"/>
+              <a:t>こういうときどうする</a:t>
+            </a:r>
+            <a:endParaRPr kumimoji="1" lang="ja-JP" altLang="en-US" dirty="0"/>
+          </a:p>
+        </p:txBody>
+      </p:sp>
+      <p:sp>
+        <p:nvSpPr>
+          <p:cNvPr id="3" name="コンテンツ プレースホルダー 2"/>
+          <p:cNvSpPr>
+            <a:spLocks noGrp="1"/>
+          </p:cNvSpPr>
+          <p:nvPr>
+            <p:ph idx="1"/>
+          </p:nvPr>
+        </p:nvSpPr>
+        <p:spPr/>
+        <p:txBody>
+          <a:bodyPr/>
+          <a:lstStyle/>
+          <a:p>
+            <a:r>
+              <a:rPr lang="ja-JP" altLang="en-US" dirty="0" smtClean="0"/>
+              <a:t>名前付ける</a:t>
+            </a:r>
+            <a:endParaRPr lang="en-US" altLang="ja-JP" dirty="0" smtClean="0"/>
+          </a:p>
+          <a:p>
+            <a:endParaRPr kumimoji="1" lang="en-US" altLang="ja-JP" dirty="0" smtClean="0"/>
+          </a:p>
+          <a:p>
+            <a:endParaRPr kumimoji="1" lang="en-US" altLang="ja-JP" dirty="0"/>
+          </a:p>
+          <a:p>
+            <a:r>
+              <a:rPr lang="ja-JP" altLang="en-US" dirty="0" smtClean="0"/>
+              <a:t>人増やす</a:t>
+            </a:r>
+            <a:endParaRPr lang="en-US" altLang="ja-JP" dirty="0" smtClean="0"/>
+          </a:p>
+          <a:p>
+            <a:endParaRPr kumimoji="1" lang="en-US" altLang="ja-JP" dirty="0" smtClean="0"/>
+          </a:p>
+          <a:p>
+            <a:endParaRPr kumimoji="1" lang="en-US" altLang="ja-JP" dirty="0" smtClean="0"/>
+          </a:p>
+          <a:p>
+            <a:r>
+              <a:rPr lang="ja-JP" altLang="en-US" dirty="0" smtClean="0"/>
+              <a:t>戦略を実装</a:t>
+            </a:r>
+            <a:endParaRPr kumimoji="1" lang="ja-JP" altLang="en-US" dirty="0"/>
+          </a:p>
+        </p:txBody>
+      </p:sp>
+    </p:spTree>
+    <p:extLst>
+      <p:ext uri="{BB962C8B-B14F-4D97-AF65-F5344CB8AC3E}">
+        <p14:creationId xmlns:p14="http://schemas.microsoft.com/office/powerpoint/2010/main" val="3962998797"/>
+      </p:ext>
+    </p:extLst>
+  </p:cSld>
+  <p:clrMapOvr>
+    <a:masterClrMapping/>
+  </p:clrMapOvr>
+</p:sld>
+</file>
+
+<file path=ppt/slides/slide13.xml><?xml version="1.0" encoding="utf-8"?>
+<p:sld xmlns:a="http://schemas.openxmlformats.org/drawingml/2006/main" xmlns:r="http://schemas.openxmlformats.org/officeDocument/2006/relationships" xmlns:p="http://schemas.openxmlformats.org/presentationml/2006/main">
+  <p:cSld>
+    <p:spTree>
+      <p:nvGrpSpPr>
+        <p:cNvPr id="1" name=""/>
+        <p:cNvGrpSpPr/>
+        <p:nvPr/>
+      </p:nvGrpSpPr>
+      <p:grpSpPr>
+        <a:xfrm>
+          <a:off x="0" y="0"/>
+          <a:ext cx="0" cy="0"/>
+          <a:chOff x="0" y="0"/>
+          <a:chExt cx="0" cy="0"/>
+        </a:xfrm>
+      </p:grpSpPr>
+      <p:sp>
+        <p:nvSpPr>
+          <p:cNvPr id="2" name="タイトル 1"/>
+          <p:cNvSpPr>
+            <a:spLocks noGrp="1"/>
+          </p:cNvSpPr>
+          <p:nvPr>
+            <p:ph type="title"/>
+          </p:nvPr>
+        </p:nvSpPr>
+        <p:spPr/>
+        <p:txBody>
+          <a:bodyPr/>
+          <a:lstStyle/>
+          <a:p>
+            <a:endParaRPr kumimoji="1" lang="ja-JP" altLang="en-US"/>
+          </a:p>
+        </p:txBody>
+      </p:sp>
+      <p:sp>
+        <p:nvSpPr>
+          <p:cNvPr id="3" name="コンテンツ プレースホルダー 2"/>
+          <p:cNvSpPr>
+            <a:spLocks noGrp="1"/>
+          </p:cNvSpPr>
+          <p:nvPr>
+            <p:ph idx="1"/>
+          </p:nvPr>
+        </p:nvSpPr>
+        <p:spPr/>
+        <p:txBody>
+          <a:bodyPr/>
+          <a:lstStyle/>
+          <a:p>
+            <a:r>
+              <a:rPr kumimoji="1" lang="ja-JP" altLang="en-US" dirty="0" smtClean="0"/>
+              <a:t>非オブジェクトの限界</a:t>
+            </a:r>
+            <a:endParaRPr kumimoji="1" lang="en-US" altLang="ja-JP" dirty="0" smtClean="0"/>
+          </a:p>
+          <a:p>
+            <a:endParaRPr lang="en-US" altLang="ja-JP" dirty="0"/>
+          </a:p>
+          <a:p>
+            <a:endParaRPr kumimoji="1" lang="en-US" altLang="ja-JP" dirty="0" smtClean="0"/>
+          </a:p>
+          <a:p>
+            <a:r>
+              <a:rPr lang="ja-JP" altLang="en-US" dirty="0" smtClean="0"/>
+              <a:t>↓</a:t>
+            </a:r>
+            <a:endParaRPr lang="en-US" altLang="ja-JP" dirty="0" smtClean="0"/>
+          </a:p>
+          <a:p>
+            <a:endParaRPr kumimoji="1" lang="en-US" altLang="ja-JP" dirty="0"/>
+          </a:p>
+          <a:p>
+            <a:r>
+              <a:rPr lang="ja-JP" altLang="en-US" dirty="0"/>
+              <a:t>機能</a:t>
+            </a:r>
+            <a:r>
+              <a:rPr lang="ja-JP" altLang="en-US" dirty="0" smtClean="0"/>
+              <a:t>拡張</a:t>
+            </a:r>
+            <a:r>
+              <a:rPr lang="ja-JP" altLang="en-US" dirty="0"/>
+              <a:t>余裕</a:t>
+            </a:r>
+            <a:r>
+              <a:rPr lang="ja-JP" altLang="en-US" dirty="0" smtClean="0"/>
+              <a:t>です</a:t>
+            </a:r>
+            <a:r>
+              <a:rPr lang="ja-JP" altLang="en-US" dirty="0"/>
+              <a:t>。</a:t>
+            </a:r>
+            <a:r>
+              <a:rPr lang="ja-JP" altLang="en-US" dirty="0" smtClean="0"/>
+              <a:t>そう、オブジェクト指向ならね。</a:t>
+            </a:r>
+            <a:endParaRPr kumimoji="1" lang="ja-JP" altLang="en-US" dirty="0"/>
+          </a:p>
+        </p:txBody>
+      </p:sp>
+    </p:spTree>
+    <p:extLst>
+      <p:ext uri="{BB962C8B-B14F-4D97-AF65-F5344CB8AC3E}">
+        <p14:creationId xmlns:p14="http://schemas.microsoft.com/office/powerpoint/2010/main" val="3156622035"/>
+      </p:ext>
+    </p:extLst>
+  </p:cSld>
+  <p:clrMapOvr>
+    <a:masterClrMapping/>
+  </p:clrMapOvr>
+</p:sld>
+</file>
+
+<file path=ppt/slides/slide14.xml><?xml version="1.0" encoding="utf-8"?>
+<p:sld xmlns:a="http://schemas.openxmlformats.org/drawingml/2006/main" xmlns:r="http://schemas.openxmlformats.org/officeDocument/2006/relationships" xmlns:p="http://schemas.openxmlformats.org/presentationml/2006/main">
+  <p:cSld>
+    <p:spTree>
+      <p:nvGrpSpPr>
+        <p:cNvPr id="1" name=""/>
+        <p:cNvGrpSpPr/>
+        <p:nvPr/>
+      </p:nvGrpSpPr>
+      <p:grpSpPr>
+        <a:xfrm>
+          <a:off x="0" y="0"/>
+          <a:ext cx="0" cy="0"/>
+          <a:chOff x="0" y="0"/>
+          <a:chExt cx="0" cy="0"/>
+        </a:xfrm>
+      </p:grpSpPr>
+      <p:sp>
+        <p:nvSpPr>
+          <p:cNvPr id="2" name="タイトル 1"/>
+          <p:cNvSpPr>
+            <a:spLocks noGrp="1"/>
+          </p:cNvSpPr>
+          <p:nvPr>
+            <p:ph type="title"/>
+          </p:nvPr>
+        </p:nvSpPr>
+        <p:spPr/>
+        <p:txBody>
+          <a:bodyPr/>
+          <a:lstStyle/>
+          <a:p>
+            <a:endParaRPr kumimoji="1" lang="ja-JP" altLang="en-US"/>
+          </a:p>
+        </p:txBody>
+      </p:sp>
+      <p:sp>
+        <p:nvSpPr>
+          <p:cNvPr id="3" name="コンテンツ プレースホルダー 2"/>
+          <p:cNvSpPr>
+            <a:spLocks noGrp="1"/>
+          </p:cNvSpPr>
+          <p:nvPr>
+            <p:ph idx="1"/>
+          </p:nvPr>
+        </p:nvSpPr>
+        <p:spPr/>
+        <p:txBody>
+          <a:bodyPr/>
+          <a:lstStyle/>
+          <a:p>
+            <a:endParaRPr kumimoji="1" lang="ja-JP" altLang="en-US"/>
+          </a:p>
+        </p:txBody>
+      </p:sp>
+    </p:spTree>
+    <p:extLst>
+      <p:ext uri="{BB962C8B-B14F-4D97-AF65-F5344CB8AC3E}">
+        <p14:creationId xmlns:p14="http://schemas.microsoft.com/office/powerpoint/2010/main" val="868550525"/>
+      </p:ext>
+    </p:extLst>
+  </p:cSld>
+  <p:clrMapOvr>
+    <a:masterClrMapping/>
+  </p:clrMapOvr>
+</p:sld>
+</file>
+
+<file path=ppt/slides/slide15.xml><?xml version="1.0" encoding="utf-8"?>
+<p:sld xmlns:a="http://schemas.openxmlformats.org/drawingml/2006/main" xmlns:r="http://schemas.openxmlformats.org/officeDocument/2006/relationships" xmlns:p="http://schemas.openxmlformats.org/presentationml/2006/main">
+  <p:cSld>
+    <p:spTree>
+      <p:nvGrpSpPr>
+        <p:cNvPr id="1" name=""/>
+        <p:cNvGrpSpPr/>
+        <p:nvPr/>
+      </p:nvGrpSpPr>
+      <p:grpSpPr>
+        <a:xfrm>
+          <a:off x="0" y="0"/>
+          <a:ext cx="0" cy="0"/>
+          <a:chOff x="0" y="0"/>
+          <a:chExt cx="0" cy="0"/>
+        </a:xfrm>
+      </p:grpSpPr>
+      <p:sp>
+        <p:nvSpPr>
+          <p:cNvPr id="2" name="タイトル 1"/>
+          <p:cNvSpPr>
+            <a:spLocks noGrp="1"/>
+          </p:cNvSpPr>
+          <p:nvPr>
+            <p:ph type="title"/>
+          </p:nvPr>
+        </p:nvSpPr>
+        <p:spPr/>
+        <p:txBody>
+          <a:bodyPr/>
+          <a:lstStyle/>
+          <a:p>
+            <a:endParaRPr kumimoji="1" lang="ja-JP" altLang="en-US"/>
+          </a:p>
+        </p:txBody>
+      </p:sp>
+      <p:sp>
+        <p:nvSpPr>
+          <p:cNvPr id="3" name="コンテンツ プレースホルダー 2"/>
+          <p:cNvSpPr>
+            <a:spLocks noGrp="1"/>
+          </p:cNvSpPr>
+          <p:nvPr>
+            <p:ph idx="1"/>
+          </p:nvPr>
+        </p:nvSpPr>
+        <p:spPr/>
+        <p:txBody>
+          <a:bodyPr/>
+          <a:lstStyle/>
+          <a:p>
+            <a:endParaRPr kumimoji="1" lang="ja-JP" altLang="en-US"/>
+          </a:p>
+        </p:txBody>
+      </p:sp>
+    </p:spTree>
+    <p:extLst>
+      <p:ext uri="{BB962C8B-B14F-4D97-AF65-F5344CB8AC3E}">
+        <p14:creationId xmlns:p14="http://schemas.microsoft.com/office/powerpoint/2010/main" val="1686085276"/>
+      </p:ext>
+    </p:extLst>
+  </p:cSld>
+  <p:clrMapOvr>
+    <a:masterClrMapping/>
+  </p:clrMapOvr>
+</p:sld>
+</file>
+
+<file path=ppt/slides/slide16.xml><?xml version="1.0" encoding="utf-8"?>
+<p:sld xmlns:a="http://schemas.openxmlformats.org/drawingml/2006/main" xmlns:r="http://schemas.openxmlformats.org/officeDocument/2006/relationships" xmlns:p="http://schemas.openxmlformats.org/presentationml/2006/main">
+  <p:cSld>
+    <p:spTree>
+      <p:nvGrpSpPr>
+        <p:cNvPr id="1" name=""/>
+        <p:cNvGrpSpPr/>
+        <p:nvPr/>
+      </p:nvGrpSpPr>
+      <p:grpSpPr>
+        <a:xfrm>
+          <a:off x="0" y="0"/>
+          <a:ext cx="0" cy="0"/>
+          <a:chOff x="0" y="0"/>
+          <a:chExt cx="0" cy="0"/>
+        </a:xfrm>
+      </p:grpSpPr>
+      <p:sp>
+        <p:nvSpPr>
+          <p:cNvPr id="2" name="タイトル 1"/>
+          <p:cNvSpPr>
+            <a:spLocks noGrp="1"/>
+          </p:cNvSpPr>
+          <p:nvPr>
+            <p:ph type="title"/>
+          </p:nvPr>
+        </p:nvSpPr>
+        <p:spPr/>
+        <p:txBody>
+          <a:bodyPr/>
+          <a:lstStyle/>
+          <a:p>
+            <a:r>
+              <a:rPr kumimoji="1" lang="ja-JP" altLang="en-US" dirty="0" smtClean="0"/>
+              <a:t>感想</a:t>
+            </a:r>
+            <a:endParaRPr kumimoji="1" lang="ja-JP" altLang="en-US" dirty="0"/>
+          </a:p>
+        </p:txBody>
+      </p:sp>
+      <p:sp>
+        <p:nvSpPr>
+          <p:cNvPr id="3" name="コンテンツ プレースホルダー 2"/>
+          <p:cNvSpPr>
+            <a:spLocks noGrp="1"/>
+          </p:cNvSpPr>
+          <p:nvPr>
+            <p:ph idx="1"/>
+          </p:nvPr>
+        </p:nvSpPr>
+        <p:spPr/>
+        <p:txBody>
+          <a:bodyPr/>
+          <a:lstStyle/>
+          <a:p>
+            <a:r>
+              <a:rPr kumimoji="1" lang="ja-JP" altLang="en-US" dirty="0" smtClean="0"/>
+              <a:t>題材がわかりやすいしサンプルソースあるし良い</a:t>
+            </a:r>
+            <a:endParaRPr kumimoji="1" lang="en-US" altLang="ja-JP" dirty="0" smtClean="0"/>
+          </a:p>
+          <a:p>
+            <a:endParaRPr lang="en-US" altLang="ja-JP" dirty="0"/>
+          </a:p>
+          <a:p>
+            <a:r>
+              <a:rPr kumimoji="1" lang="ja-JP" altLang="en-US" dirty="0" smtClean="0"/>
+              <a:t>Ｃとかとの視点変更についてかいてある</a:t>
+            </a:r>
+            <a:endParaRPr kumimoji="1" lang="en-US" altLang="ja-JP" dirty="0" smtClean="0"/>
+          </a:p>
+          <a:p>
+            <a:endParaRPr lang="en-US" altLang="ja-JP" dirty="0"/>
+          </a:p>
+          <a:p>
+            <a:endParaRPr kumimoji="1" lang="ja-JP" altLang="en-US" dirty="0"/>
+          </a:p>
+        </p:txBody>
+      </p:sp>
+    </p:spTree>
+    <p:extLst>
+      <p:ext uri="{BB962C8B-B14F-4D97-AF65-F5344CB8AC3E}">
+        <p14:creationId xmlns:p14="http://schemas.microsoft.com/office/powerpoint/2010/main" val="1686085276"/>
+      </p:ext>
+    </p:extLst>
+  </p:cSld>
+  <p:clrMapOvr>
+    <a:masterClrMapping/>
+  </p:clrMapOvr>
+</p:sld>
+</file>
+
+<file path=ppt/slides/slide17.xml><?xml version="1.0" encoding="utf-8"?>
+<p:sld xmlns:a="http://schemas.openxmlformats.org/drawingml/2006/main" xmlns:r="http://schemas.openxmlformats.org/officeDocument/2006/relationships" xmlns:p="http://schemas.openxmlformats.org/presentationml/2006/main">
+  <p:cSld>
+    <p:spTree>
+      <p:nvGrpSpPr>
+        <p:cNvPr id="1" name=""/>
+        <p:cNvGrpSpPr/>
+        <p:nvPr/>
+      </p:nvGrpSpPr>
+      <p:grpSpPr>
+        <a:xfrm>
+          <a:off x="0" y="0"/>
+          <a:ext cx="0" cy="0"/>
+          <a:chOff x="0" y="0"/>
+          <a:chExt cx="0" cy="0"/>
+        </a:xfrm>
+      </p:grpSpPr>
+      <p:sp>
+        <p:nvSpPr>
+          <p:cNvPr id="2" name="タイトル 1"/>
+          <p:cNvSpPr>
+            <a:spLocks noGrp="1"/>
+          </p:cNvSpPr>
+          <p:nvPr>
+            <p:ph type="title"/>
+          </p:nvPr>
+        </p:nvSpPr>
+        <p:spPr/>
+        <p:txBody>
+          <a:bodyPr/>
+          <a:lstStyle/>
+          <a:p>
+            <a:endParaRPr kumimoji="1" lang="ja-JP" altLang="en-US"/>
+          </a:p>
+        </p:txBody>
+      </p:sp>
+      <p:sp>
+        <p:nvSpPr>
+          <p:cNvPr id="3" name="コンテンツ プレースホルダー 2"/>
+          <p:cNvSpPr>
+            <a:spLocks noGrp="1"/>
+          </p:cNvSpPr>
+          <p:nvPr>
+            <p:ph idx="1"/>
+          </p:nvPr>
+        </p:nvSpPr>
+        <p:spPr/>
+        <p:txBody>
+          <a:bodyPr/>
+          <a:lstStyle/>
+          <a:p>
+            <a:r>
+              <a:rPr kumimoji="1" lang="ja-JP" altLang="en-US" dirty="0" smtClean="0"/>
+              <a:t>まだまだ鍛錬がいる。</a:t>
+            </a:r>
+            <a:endParaRPr kumimoji="1" lang="en-US" altLang="ja-JP" dirty="0" smtClean="0"/>
+          </a:p>
+          <a:p>
+            <a:endParaRPr lang="en-US" altLang="ja-JP" dirty="0"/>
+          </a:p>
+          <a:p>
+            <a:endParaRPr kumimoji="1" lang="en-US" altLang="ja-JP" dirty="0" smtClean="0"/>
+          </a:p>
+          <a:p>
+            <a:r>
+              <a:rPr lang="ja-JP" altLang="en-US" dirty="0" smtClean="0"/>
+              <a:t>気付き：自腹で買えば勉強する</a:t>
+            </a:r>
+            <a:endParaRPr kumimoji="1" lang="ja-JP" altLang="en-US" dirty="0"/>
+          </a:p>
+        </p:txBody>
+      </p:sp>
+    </p:spTree>
+    <p:extLst>
+      <p:ext uri="{BB962C8B-B14F-4D97-AF65-F5344CB8AC3E}">
+        <p14:creationId xmlns:p14="http://schemas.microsoft.com/office/powerpoint/2010/main" val="868550525"/>
+      </p:ext>
+    </p:extLst>
+  </p:cSld>
+  <p:clrMapOvr>
+    <a:masterClrMapping/>
+  </p:clrMapOvr>
+</p:sld>
+</file>
+
 <file path=ppt/slides/slide2.xml><?xml version="1.0" encoding="utf-8"?>
 <p:sld xmlns:a="http://schemas.openxmlformats.org/drawingml/2006/main" xmlns:r="http://schemas.openxmlformats.org/officeDocument/2006/relationships" xmlns:p="http://schemas.openxmlformats.org/presentationml/2006/main">
   <p:cSld>
@@ -4567,6 +5318,47 @@
           </a:p>
         </p:txBody>
       </p:sp>
+      <p:pic>
+        <p:nvPicPr>
+          <p:cNvPr id="4" name="Picture 2" descr="C:\Users\Owner\Pictures\OU09_.jpg"/>
+          <p:cNvPicPr>
+            <a:picLocks noChangeAspect="1" noChangeArrowheads="1"/>
+          </p:cNvPicPr>
+          <p:nvPr/>
+        </p:nvPicPr>
+        <p:blipFill>
+          <a:blip r:embed="rId2">
+            <a:extLst>
+              <a:ext uri="{28A0092B-C50C-407E-A947-70E740481C1C}">
+                <a14:useLocalDpi xmlns:a14="http://schemas.microsoft.com/office/drawing/2010/main" val="0"/>
+              </a:ext>
+            </a:extLst>
+          </a:blip>
+          <a:srcRect/>
+          <a:stretch>
+            <a:fillRect/>
+          </a:stretch>
+        </p:blipFill>
+        <p:spPr bwMode="auto">
+          <a:xfrm>
+            <a:off x="5508104" y="1672091"/>
+            <a:ext cx="2857500" cy="2857500"/>
+          </a:xfrm>
+          <a:prstGeom prst="rect">
+            <a:avLst/>
+          </a:prstGeom>
+          <a:noFill/>
+          <a:extLst>
+            <a:ext uri="{909E8E84-426E-40DD-AFC4-6F175D3DCCD1}">
+              <a14:hiddenFill xmlns:a14="http://schemas.microsoft.com/office/drawing/2010/main">
+                <a:solidFill>
+                  <a:srgbClr val="FFFFFF"/>
+                </a:solidFill>
+              </a14:hiddenFill>
+            </a:ext>
+          </a:extLst>
+        </p:spPr>
+      </p:pic>
     </p:spTree>
     <p:extLst>
       <p:ext uri="{BB962C8B-B14F-4D97-AF65-F5344CB8AC3E}">
@@ -4613,82 +5405,48 @@
           <a:lstStyle/>
           <a:p>
             <a:r>
+              <a:rPr lang="ja-JP" altLang="en-US" dirty="0"/>
+              <a:t>背景</a:t>
+            </a:r>
+            <a:endParaRPr kumimoji="1" lang="ja-JP" altLang="en-US" dirty="0"/>
+          </a:p>
+        </p:txBody>
+      </p:sp>
+      <p:sp>
+        <p:nvSpPr>
+          <p:cNvPr id="3" name="コンテンツ プレースホルダー 2"/>
+          <p:cNvSpPr>
+            <a:spLocks noGrp="1"/>
+          </p:cNvSpPr>
+          <p:nvPr>
+            <p:ph idx="1"/>
+          </p:nvPr>
+        </p:nvSpPr>
+        <p:spPr/>
+        <p:txBody>
+          <a:bodyPr/>
+          <a:lstStyle/>
+          <a:p>
+            <a:r>
               <a:rPr kumimoji="1" lang="ja-JP" altLang="en-US" dirty="0" smtClean="0"/>
-              <a:t>プログラミングとは？</a:t>
+              <a:t>みんなレベル高杉</a:t>
+            </a:r>
+            <a:r>
+              <a:rPr kumimoji="1" lang="ja-JP" altLang="en-US" dirty="0" err="1" smtClean="0"/>
+              <a:t>んよ</a:t>
+            </a:r>
+            <a:r>
+              <a:rPr kumimoji="1" lang="ja-JP" altLang="en-US" dirty="0" smtClean="0"/>
+              <a:t>ー</a:t>
             </a:r>
             <a:endParaRPr kumimoji="1" lang="ja-JP" altLang="en-US" dirty="0"/>
-          </a:p>
-        </p:txBody>
-      </p:sp>
-      <p:sp>
-        <p:nvSpPr>
-          <p:cNvPr id="3" name="コンテンツ プレースホルダー 2"/>
-          <p:cNvSpPr>
-            <a:spLocks noGrp="1"/>
-          </p:cNvSpPr>
-          <p:nvPr>
-            <p:ph idx="1"/>
-          </p:nvPr>
-        </p:nvSpPr>
-        <p:spPr>
-          <a:xfrm>
-            <a:off x="899592" y="1447800"/>
-            <a:ext cx="8136904" cy="4800600"/>
-          </a:xfrm>
-        </p:spPr>
-        <p:txBody>
-          <a:bodyPr>
-            <a:normAutofit/>
-          </a:bodyPr>
-          <a:lstStyle/>
-          <a:p>
-            <a:pPr marL="82296" indent="0">
-              <a:buNone/>
-            </a:pPr>
-            <a:r>
-              <a:rPr kumimoji="1" lang="ja-JP" altLang="en-US" sz="2800" dirty="0" smtClean="0"/>
-              <a:t>①コンピュータに行わせたいことを理解する</a:t>
-            </a:r>
-            <a:endParaRPr kumimoji="1" lang="en-US" altLang="ja-JP" sz="2800" dirty="0" smtClean="0"/>
-          </a:p>
-          <a:p>
-            <a:pPr marL="82296" indent="0">
-              <a:buNone/>
-            </a:pPr>
-            <a:endParaRPr lang="en-US" altLang="ja-JP" sz="2800" dirty="0"/>
-          </a:p>
-          <a:p>
-            <a:pPr marL="82296" indent="0">
-              <a:buNone/>
-            </a:pPr>
-            <a:r>
-              <a:rPr kumimoji="1" lang="ja-JP" altLang="en-US" sz="2800" dirty="0" smtClean="0"/>
-              <a:t>②理解したことを説明できるレベルまで整理する</a:t>
-            </a:r>
-            <a:endParaRPr kumimoji="1" lang="en-US" altLang="ja-JP" sz="2800" dirty="0" smtClean="0"/>
-          </a:p>
-          <a:p>
-            <a:pPr marL="82296" indent="0">
-              <a:buNone/>
-            </a:pPr>
-            <a:endParaRPr lang="en-US" altLang="ja-JP" sz="2800" dirty="0"/>
-          </a:p>
-          <a:p>
-            <a:pPr marL="82296" indent="0">
-              <a:buNone/>
-            </a:pPr>
-            <a:r>
-              <a:rPr lang="ja-JP" altLang="en-US" sz="2800" dirty="0" smtClean="0"/>
-              <a:t>③コンピュータにわかる言葉へ翻訳する</a:t>
-            </a:r>
-            <a:endParaRPr kumimoji="1" lang="ja-JP" altLang="en-US" sz="2800" dirty="0"/>
           </a:p>
         </p:txBody>
       </p:sp>
     </p:spTree>
     <p:extLst>
       <p:ext uri="{BB962C8B-B14F-4D97-AF65-F5344CB8AC3E}">
-        <p14:creationId xmlns:p14="http://schemas.microsoft.com/office/powerpoint/2010/main" val="2494857876"/>
+        <p14:creationId xmlns:p14="http://schemas.microsoft.com/office/powerpoint/2010/main" val="878443423"/>
       </p:ext>
     </p:extLst>
   </p:cSld>
@@ -4730,7 +5488,11 @@
           <a:bodyPr/>
           <a:lstStyle/>
           <a:p>
-            <a:endParaRPr kumimoji="1" lang="ja-JP" altLang="en-US"/>
+            <a:r>
+              <a:rPr kumimoji="1" lang="ja-JP" altLang="en-US" dirty="0" smtClean="0"/>
+              <a:t>もくろみ</a:t>
+            </a:r>
+            <a:endParaRPr kumimoji="1" lang="ja-JP" altLang="en-US" dirty="0"/>
           </a:p>
         </p:txBody>
       </p:sp>
@@ -4749,14 +5511,48 @@
           <a:bodyPr/>
           <a:lstStyle/>
           <a:p>
-            <a:endParaRPr kumimoji="1" lang="ja-JP" altLang="en-US"/>
+            <a:r>
+              <a:rPr kumimoji="1" lang="ja-JP" altLang="en-US" dirty="0" smtClean="0"/>
+              <a:t>まず非オブジェクトでやってみる</a:t>
+            </a:r>
+            <a:endParaRPr kumimoji="1" lang="en-US" altLang="ja-JP" dirty="0" smtClean="0"/>
+          </a:p>
+          <a:p>
+            <a:endParaRPr lang="en-US" altLang="ja-JP" dirty="0"/>
+          </a:p>
+          <a:p>
+            <a:r>
+              <a:rPr kumimoji="1" lang="ja-JP" altLang="en-US" dirty="0" smtClean="0"/>
+              <a:t>↓</a:t>
+            </a:r>
+            <a:endParaRPr kumimoji="1" lang="en-US" altLang="ja-JP" dirty="0" smtClean="0"/>
+          </a:p>
+          <a:p>
+            <a:endParaRPr lang="en-US" altLang="ja-JP" dirty="0"/>
+          </a:p>
+          <a:p>
+            <a:r>
+              <a:rPr kumimoji="1" lang="ja-JP" altLang="en-US" dirty="0" smtClean="0"/>
+              <a:t>オブジェクト指向に直す</a:t>
+            </a:r>
+            <a:endParaRPr kumimoji="1" lang="en-US" altLang="ja-JP" dirty="0" smtClean="0"/>
+          </a:p>
+          <a:p>
+            <a:endParaRPr lang="en-US" altLang="ja-JP" dirty="0"/>
+          </a:p>
+          <a:p>
+            <a:r>
+              <a:rPr kumimoji="1" lang="ja-JP" altLang="en-US" dirty="0" smtClean="0"/>
+              <a:t>なんということでしょう！！</a:t>
+            </a:r>
+            <a:endParaRPr kumimoji="1" lang="ja-JP" altLang="en-US" dirty="0"/>
           </a:p>
         </p:txBody>
       </p:sp>
     </p:spTree>
     <p:extLst>
       <p:ext uri="{BB962C8B-B14F-4D97-AF65-F5344CB8AC3E}">
-        <p14:creationId xmlns:p14="http://schemas.microsoft.com/office/powerpoint/2010/main" val="3925623356"/>
+        <p14:creationId xmlns:p14="http://schemas.microsoft.com/office/powerpoint/2010/main" val="878443423"/>
       </p:ext>
     </p:extLst>
   </p:cSld>
@@ -4798,6 +5594,554 @@
           <a:bodyPr/>
           <a:lstStyle/>
           <a:p>
+            <a:r>
+              <a:rPr kumimoji="1" lang="ja-JP" altLang="en-US" dirty="0" smtClean="0"/>
+              <a:t>プログラミングとは？</a:t>
+            </a:r>
+            <a:endParaRPr kumimoji="1" lang="ja-JP" altLang="en-US" dirty="0"/>
+          </a:p>
+        </p:txBody>
+      </p:sp>
+      <p:sp>
+        <p:nvSpPr>
+          <p:cNvPr id="3" name="コンテンツ プレースホルダー 2"/>
+          <p:cNvSpPr>
+            <a:spLocks noGrp="1"/>
+          </p:cNvSpPr>
+          <p:nvPr>
+            <p:ph idx="1"/>
+          </p:nvPr>
+        </p:nvSpPr>
+        <p:spPr>
+          <a:xfrm>
+            <a:off x="899592" y="1447800"/>
+            <a:ext cx="8136904" cy="4800600"/>
+          </a:xfrm>
+        </p:spPr>
+        <p:txBody>
+          <a:bodyPr>
+            <a:normAutofit/>
+          </a:bodyPr>
+          <a:lstStyle/>
+          <a:p>
+            <a:pPr marL="82296" indent="0">
+              <a:buNone/>
+            </a:pPr>
+            <a:r>
+              <a:rPr kumimoji="1" lang="ja-JP" altLang="en-US" sz="2800" dirty="0" smtClean="0"/>
+              <a:t>①コンピュータに行わせたいことを理解する</a:t>
+            </a:r>
+            <a:endParaRPr kumimoji="1" lang="en-US" altLang="ja-JP" sz="2800" dirty="0" smtClean="0"/>
+          </a:p>
+          <a:p>
+            <a:pPr marL="82296" indent="0">
+              <a:buNone/>
+            </a:pPr>
+            <a:endParaRPr lang="en-US" altLang="ja-JP" sz="2800" dirty="0" smtClean="0"/>
+          </a:p>
+          <a:p>
+            <a:pPr marL="82296" indent="0">
+              <a:buNone/>
+            </a:pPr>
+            <a:endParaRPr lang="en-US" altLang="ja-JP" sz="2800" dirty="0"/>
+          </a:p>
+          <a:p>
+            <a:pPr marL="82296" indent="0">
+              <a:buNone/>
+            </a:pPr>
+            <a:r>
+              <a:rPr kumimoji="1" lang="ja-JP" altLang="en-US" sz="2800" dirty="0" smtClean="0"/>
+              <a:t>②理解したことを説明できるレベルまで整理する</a:t>
+            </a:r>
+            <a:endParaRPr kumimoji="1" lang="en-US" altLang="ja-JP" sz="2800" dirty="0" smtClean="0"/>
+          </a:p>
+          <a:p>
+            <a:pPr marL="82296" indent="0">
+              <a:buNone/>
+            </a:pPr>
+            <a:endParaRPr lang="en-US" altLang="ja-JP" sz="2800" dirty="0" smtClean="0"/>
+          </a:p>
+          <a:p>
+            <a:pPr marL="82296" indent="0">
+              <a:buNone/>
+            </a:pPr>
+            <a:endParaRPr lang="en-US" altLang="ja-JP" sz="2800" dirty="0"/>
+          </a:p>
+          <a:p>
+            <a:pPr marL="82296" indent="0">
+              <a:buNone/>
+            </a:pPr>
+            <a:r>
+              <a:rPr lang="ja-JP" altLang="en-US" sz="2800" dirty="0" smtClean="0"/>
+              <a:t>③コンピュータにわかる言葉へ翻訳する</a:t>
+            </a:r>
+            <a:endParaRPr kumimoji="1" lang="ja-JP" altLang="en-US" sz="2800" dirty="0"/>
+          </a:p>
+        </p:txBody>
+      </p:sp>
+      <p:sp>
+        <p:nvSpPr>
+          <p:cNvPr id="4" name="下矢印 3"/>
+          <p:cNvSpPr/>
+          <p:nvPr/>
+        </p:nvSpPr>
+        <p:spPr>
+          <a:xfrm>
+            <a:off x="4211960" y="2060848"/>
+            <a:ext cx="936104" cy="720080"/>
+          </a:xfrm>
+          <a:prstGeom prst="downArrow">
+            <a:avLst/>
+          </a:prstGeom>
+        </p:spPr>
+        <p:style>
+          <a:lnRef idx="2">
+            <a:schemeClr val="accent1">
+              <a:shade val="50000"/>
+            </a:schemeClr>
+          </a:lnRef>
+          <a:fillRef idx="1">
+            <a:schemeClr val="accent1"/>
+          </a:fillRef>
+          <a:effectRef idx="0">
+            <a:schemeClr val="accent1"/>
+          </a:effectRef>
+          <a:fontRef idx="minor">
+            <a:schemeClr val="lt1"/>
+          </a:fontRef>
+        </p:style>
+        <p:txBody>
+          <a:bodyPr rtlCol="0" anchor="ctr"/>
+          <a:lstStyle/>
+          <a:p>
+            <a:pPr algn="ctr"/>
+            <a:endParaRPr kumimoji="1" lang="ja-JP" altLang="en-US"/>
+          </a:p>
+        </p:txBody>
+      </p:sp>
+      <p:sp>
+        <p:nvSpPr>
+          <p:cNvPr id="5" name="下矢印 4"/>
+          <p:cNvSpPr/>
+          <p:nvPr/>
+        </p:nvSpPr>
+        <p:spPr>
+          <a:xfrm>
+            <a:off x="4211960" y="3645024"/>
+            <a:ext cx="936104" cy="720080"/>
+          </a:xfrm>
+          <a:prstGeom prst="downArrow">
+            <a:avLst/>
+          </a:prstGeom>
+        </p:spPr>
+        <p:style>
+          <a:lnRef idx="2">
+            <a:schemeClr val="accent1">
+              <a:shade val="50000"/>
+            </a:schemeClr>
+          </a:lnRef>
+          <a:fillRef idx="1">
+            <a:schemeClr val="accent1"/>
+          </a:fillRef>
+          <a:effectRef idx="0">
+            <a:schemeClr val="accent1"/>
+          </a:effectRef>
+          <a:fontRef idx="minor">
+            <a:schemeClr val="lt1"/>
+          </a:fontRef>
+        </p:style>
+        <p:txBody>
+          <a:bodyPr rtlCol="0" anchor="ctr"/>
+          <a:lstStyle/>
+          <a:p>
+            <a:pPr algn="ctr"/>
+            <a:endParaRPr kumimoji="1" lang="ja-JP" altLang="en-US"/>
+          </a:p>
+        </p:txBody>
+      </p:sp>
+    </p:spTree>
+    <p:extLst>
+      <p:ext uri="{BB962C8B-B14F-4D97-AF65-F5344CB8AC3E}">
+        <p14:creationId xmlns:p14="http://schemas.microsoft.com/office/powerpoint/2010/main" val="2494857876"/>
+      </p:ext>
+    </p:extLst>
+  </p:cSld>
+  <p:clrMapOvr>
+    <a:masterClrMapping/>
+  </p:clrMapOvr>
+</p:sld>
+</file>
+
+<file path=ppt/slides/slide6.xml><?xml version="1.0" encoding="utf-8"?>
+<p:sld xmlns:a="http://schemas.openxmlformats.org/drawingml/2006/main" xmlns:r="http://schemas.openxmlformats.org/officeDocument/2006/relationships" xmlns:p="http://schemas.openxmlformats.org/presentationml/2006/main">
+  <p:cSld>
+    <p:spTree>
+      <p:nvGrpSpPr>
+        <p:cNvPr id="1" name=""/>
+        <p:cNvGrpSpPr/>
+        <p:nvPr/>
+      </p:nvGrpSpPr>
+      <p:grpSpPr>
+        <a:xfrm>
+          <a:off x="0" y="0"/>
+          <a:ext cx="0" cy="0"/>
+          <a:chOff x="0" y="0"/>
+          <a:chExt cx="0" cy="0"/>
+        </a:xfrm>
+      </p:grpSpPr>
+      <p:sp>
+        <p:nvSpPr>
+          <p:cNvPr id="2" name="タイトル 1"/>
+          <p:cNvSpPr>
+            <a:spLocks noGrp="1"/>
+          </p:cNvSpPr>
+          <p:nvPr>
+            <p:ph type="title"/>
+          </p:nvPr>
+        </p:nvSpPr>
+        <p:spPr/>
+        <p:txBody>
+          <a:bodyPr/>
+          <a:lstStyle/>
+          <a:p>
+            <a:r>
+              <a:rPr kumimoji="1" lang="ja-JP" altLang="en-US" dirty="0" smtClean="0"/>
+              <a:t>プログラミングとは？</a:t>
+            </a:r>
+            <a:endParaRPr kumimoji="1" lang="ja-JP" altLang="en-US" dirty="0"/>
+          </a:p>
+        </p:txBody>
+      </p:sp>
+      <p:sp>
+        <p:nvSpPr>
+          <p:cNvPr id="3" name="コンテンツ プレースホルダー 2"/>
+          <p:cNvSpPr>
+            <a:spLocks noGrp="1"/>
+          </p:cNvSpPr>
+          <p:nvPr>
+            <p:ph idx="1"/>
+          </p:nvPr>
+        </p:nvSpPr>
+        <p:spPr>
+          <a:xfrm>
+            <a:off x="899592" y="1447800"/>
+            <a:ext cx="8136904" cy="4800600"/>
+          </a:xfrm>
+        </p:spPr>
+        <p:txBody>
+          <a:bodyPr>
+            <a:normAutofit/>
+          </a:bodyPr>
+          <a:lstStyle/>
+          <a:p>
+            <a:pPr marL="82296" indent="0">
+              <a:buNone/>
+            </a:pPr>
+            <a:r>
+              <a:rPr kumimoji="1" lang="ja-JP" altLang="en-US" sz="2800" dirty="0" smtClean="0"/>
+              <a:t>①コンピュータに行わせたいことを理解する</a:t>
+            </a:r>
+            <a:endParaRPr kumimoji="1" lang="en-US" altLang="ja-JP" sz="2800" dirty="0" smtClean="0"/>
+          </a:p>
+          <a:p>
+            <a:pPr marL="82296" indent="0">
+              <a:buNone/>
+            </a:pPr>
+            <a:endParaRPr lang="en-US" altLang="ja-JP" sz="2800" dirty="0" smtClean="0"/>
+          </a:p>
+          <a:p>
+            <a:pPr marL="82296" indent="0">
+              <a:buNone/>
+            </a:pPr>
+            <a:endParaRPr lang="en-US" altLang="ja-JP" sz="2800" dirty="0"/>
+          </a:p>
+          <a:p>
+            <a:pPr marL="82296" indent="0">
+              <a:buNone/>
+            </a:pPr>
+            <a:r>
+              <a:rPr kumimoji="1" lang="ja-JP" altLang="en-US" sz="2800" dirty="0" smtClean="0"/>
+              <a:t>②理解したことを説明できるレベルまで整理する</a:t>
+            </a:r>
+            <a:endParaRPr kumimoji="1" lang="en-US" altLang="ja-JP" sz="2800" dirty="0" smtClean="0"/>
+          </a:p>
+          <a:p>
+            <a:pPr marL="82296" indent="0">
+              <a:buNone/>
+            </a:pPr>
+            <a:endParaRPr lang="en-US" altLang="ja-JP" sz="2800" dirty="0" smtClean="0"/>
+          </a:p>
+          <a:p>
+            <a:pPr marL="82296" indent="0">
+              <a:buNone/>
+            </a:pPr>
+            <a:endParaRPr lang="en-US" altLang="ja-JP" sz="2800" dirty="0"/>
+          </a:p>
+          <a:p>
+            <a:pPr marL="82296" indent="0">
+              <a:buNone/>
+            </a:pPr>
+            <a:r>
+              <a:rPr lang="ja-JP" altLang="en-US" sz="2800" dirty="0" smtClean="0"/>
+              <a:t>③コンピュータにわかる言葉へ翻訳する</a:t>
+            </a:r>
+            <a:endParaRPr kumimoji="1" lang="ja-JP" altLang="en-US" sz="2800" dirty="0"/>
+          </a:p>
+        </p:txBody>
+      </p:sp>
+      <p:sp>
+        <p:nvSpPr>
+          <p:cNvPr id="4" name="下矢印 3"/>
+          <p:cNvSpPr/>
+          <p:nvPr/>
+        </p:nvSpPr>
+        <p:spPr>
+          <a:xfrm>
+            <a:off x="4211960" y="2060848"/>
+            <a:ext cx="936104" cy="720080"/>
+          </a:xfrm>
+          <a:prstGeom prst="downArrow">
+            <a:avLst/>
+          </a:prstGeom>
+        </p:spPr>
+        <p:style>
+          <a:lnRef idx="2">
+            <a:schemeClr val="accent1">
+              <a:shade val="50000"/>
+            </a:schemeClr>
+          </a:lnRef>
+          <a:fillRef idx="1">
+            <a:schemeClr val="accent1"/>
+          </a:fillRef>
+          <a:effectRef idx="0">
+            <a:schemeClr val="accent1"/>
+          </a:effectRef>
+          <a:fontRef idx="minor">
+            <a:schemeClr val="lt1"/>
+          </a:fontRef>
+        </p:style>
+        <p:txBody>
+          <a:bodyPr rtlCol="0" anchor="ctr"/>
+          <a:lstStyle/>
+          <a:p>
+            <a:pPr algn="ctr"/>
+            <a:endParaRPr kumimoji="1" lang="ja-JP" altLang="en-US"/>
+          </a:p>
+        </p:txBody>
+      </p:sp>
+      <p:sp>
+        <p:nvSpPr>
+          <p:cNvPr id="5" name="下矢印 4"/>
+          <p:cNvSpPr/>
+          <p:nvPr/>
+        </p:nvSpPr>
+        <p:spPr>
+          <a:xfrm>
+            <a:off x="4211960" y="3645024"/>
+            <a:ext cx="936104" cy="720080"/>
+          </a:xfrm>
+          <a:prstGeom prst="downArrow">
+            <a:avLst/>
+          </a:prstGeom>
+        </p:spPr>
+        <p:style>
+          <a:lnRef idx="2">
+            <a:schemeClr val="accent1">
+              <a:shade val="50000"/>
+            </a:schemeClr>
+          </a:lnRef>
+          <a:fillRef idx="1">
+            <a:schemeClr val="accent1"/>
+          </a:fillRef>
+          <a:effectRef idx="0">
+            <a:schemeClr val="accent1"/>
+          </a:effectRef>
+          <a:fontRef idx="minor">
+            <a:schemeClr val="lt1"/>
+          </a:fontRef>
+        </p:style>
+        <p:txBody>
+          <a:bodyPr rtlCol="0" anchor="ctr"/>
+          <a:lstStyle/>
+          <a:p>
+            <a:pPr algn="ctr"/>
+            <a:endParaRPr kumimoji="1" lang="ja-JP" altLang="en-US"/>
+          </a:p>
+        </p:txBody>
+      </p:sp>
+      <p:sp>
+        <p:nvSpPr>
+          <p:cNvPr id="6" name="円/楕円 5"/>
+          <p:cNvSpPr/>
+          <p:nvPr/>
+        </p:nvSpPr>
+        <p:spPr>
+          <a:xfrm>
+            <a:off x="899592" y="2636912"/>
+            <a:ext cx="8244408" cy="1152128"/>
+          </a:xfrm>
+          <a:prstGeom prst="ellipse">
+            <a:avLst/>
+          </a:prstGeom>
+          <a:noFill/>
+          <a:ln w="44450">
+            <a:solidFill>
+              <a:schemeClr val="accent3"/>
+            </a:solidFill>
+          </a:ln>
+        </p:spPr>
+        <p:style>
+          <a:lnRef idx="2">
+            <a:schemeClr val="accent1">
+              <a:shade val="50000"/>
+            </a:schemeClr>
+          </a:lnRef>
+          <a:fillRef idx="1">
+            <a:schemeClr val="accent1"/>
+          </a:fillRef>
+          <a:effectRef idx="0">
+            <a:schemeClr val="accent1"/>
+          </a:effectRef>
+          <a:fontRef idx="minor">
+            <a:schemeClr val="lt1"/>
+          </a:fontRef>
+        </p:style>
+        <p:txBody>
+          <a:bodyPr rtlCol="0" anchor="ctr"/>
+          <a:lstStyle/>
+          <a:p>
+            <a:pPr algn="ctr"/>
+            <a:endParaRPr kumimoji="1" lang="ja-JP" altLang="en-US"/>
+          </a:p>
+        </p:txBody>
+      </p:sp>
+      <p:sp>
+        <p:nvSpPr>
+          <p:cNvPr id="8" name="左カーブ矢印 7"/>
+          <p:cNvSpPr/>
+          <p:nvPr/>
+        </p:nvSpPr>
+        <p:spPr>
+          <a:xfrm>
+            <a:off x="8172400" y="3812310"/>
+            <a:ext cx="720080" cy="2425001"/>
+          </a:xfrm>
+          <a:prstGeom prst="curvedLeftArrow">
+            <a:avLst/>
+          </a:prstGeom>
+          <a:solidFill>
+            <a:schemeClr val="accent3"/>
+          </a:solidFill>
+          <a:ln>
+            <a:solidFill>
+              <a:schemeClr val="accent3"/>
+            </a:solidFill>
+          </a:ln>
+        </p:spPr>
+        <p:style>
+          <a:lnRef idx="2">
+            <a:schemeClr val="accent1">
+              <a:shade val="50000"/>
+            </a:schemeClr>
+          </a:lnRef>
+          <a:fillRef idx="1">
+            <a:schemeClr val="accent1"/>
+          </a:fillRef>
+          <a:effectRef idx="0">
+            <a:schemeClr val="accent1"/>
+          </a:effectRef>
+          <a:fontRef idx="minor">
+            <a:schemeClr val="lt1"/>
+          </a:fontRef>
+        </p:style>
+        <p:txBody>
+          <a:bodyPr rtlCol="0" anchor="ctr"/>
+          <a:lstStyle/>
+          <a:p>
+            <a:pPr algn="ctr"/>
+            <a:endParaRPr kumimoji="1" lang="ja-JP" altLang="en-US">
+              <a:solidFill>
+                <a:schemeClr val="tx1"/>
+              </a:solidFill>
+            </a:endParaRPr>
+          </a:p>
+        </p:txBody>
+      </p:sp>
+      <p:sp>
+        <p:nvSpPr>
+          <p:cNvPr id="9" name="テキスト ボックス 8"/>
+          <p:cNvSpPr txBox="1"/>
+          <p:nvPr/>
+        </p:nvSpPr>
+        <p:spPr>
+          <a:xfrm>
+            <a:off x="942244" y="5868214"/>
+            <a:ext cx="7560840" cy="523220"/>
+          </a:xfrm>
+          <a:prstGeom prst="rect">
+            <a:avLst/>
+          </a:prstGeom>
+          <a:noFill/>
+        </p:spPr>
+        <p:txBody>
+          <a:bodyPr wrap="square" rtlCol="0">
+            <a:spAutoFit/>
+          </a:bodyPr>
+          <a:lstStyle/>
+          <a:p>
+            <a:r>
+              <a:rPr lang="ja-JP" altLang="en-US" sz="2800" b="1" dirty="0" smtClean="0"/>
+              <a:t>オブジェクト指向開発ではこの作業が大事！</a:t>
+            </a:r>
+            <a:endParaRPr kumimoji="1" lang="ja-JP" altLang="en-US" sz="2800" b="1" dirty="0"/>
+          </a:p>
+        </p:txBody>
+      </p:sp>
+    </p:spTree>
+    <p:extLst>
+      <p:ext uri="{BB962C8B-B14F-4D97-AF65-F5344CB8AC3E}">
+        <p14:creationId xmlns:p14="http://schemas.microsoft.com/office/powerpoint/2010/main" val="1177345401"/>
+      </p:ext>
+    </p:extLst>
+  </p:cSld>
+  <p:clrMapOvr>
+    <a:masterClrMapping/>
+  </p:clrMapOvr>
+</p:sld>
+</file>
+
+<file path=ppt/slides/slide7.xml><?xml version="1.0" encoding="utf-8"?>
+<p:sld xmlns:a="http://schemas.openxmlformats.org/drawingml/2006/main" xmlns:r="http://schemas.openxmlformats.org/officeDocument/2006/relationships" xmlns:p="http://schemas.openxmlformats.org/presentationml/2006/main">
+  <p:cSld>
+    <p:spTree>
+      <p:nvGrpSpPr>
+        <p:cNvPr id="1" name=""/>
+        <p:cNvGrpSpPr/>
+        <p:nvPr/>
+      </p:nvGrpSpPr>
+      <p:grpSpPr>
+        <a:xfrm>
+          <a:off x="0" y="0"/>
+          <a:ext cx="0" cy="0"/>
+          <a:chOff x="0" y="0"/>
+          <a:chExt cx="0" cy="0"/>
+        </a:xfrm>
+      </p:grpSpPr>
+      <p:sp>
+        <p:nvSpPr>
+          <p:cNvPr id="2" name="タイトル 1"/>
+          <p:cNvSpPr>
+            <a:spLocks noGrp="1"/>
+          </p:cNvSpPr>
+          <p:nvPr>
+            <p:ph type="title"/>
+          </p:nvPr>
+        </p:nvSpPr>
+        <p:spPr/>
+        <p:txBody>
+          <a:bodyPr/>
+          <a:lstStyle/>
+          <a:p>
             <a:endParaRPr kumimoji="1" lang="ja-JP" altLang="en-US"/>
           </a:p>
         </p:txBody>
@@ -4825,6 +6169,146 @@
     <p:extLst>
       <p:ext uri="{BB962C8B-B14F-4D97-AF65-F5344CB8AC3E}">
         <p14:creationId xmlns:p14="http://schemas.microsoft.com/office/powerpoint/2010/main" val="3925623356"/>
+      </p:ext>
+    </p:extLst>
+  </p:cSld>
+  <p:clrMapOvr>
+    <a:masterClrMapping/>
+  </p:clrMapOvr>
+</p:sld>
+</file>
+
+<file path=ppt/slides/slide8.xml><?xml version="1.0" encoding="utf-8"?>
+<p:sld xmlns:a="http://schemas.openxmlformats.org/drawingml/2006/main" xmlns:r="http://schemas.openxmlformats.org/officeDocument/2006/relationships" xmlns:p="http://schemas.openxmlformats.org/presentationml/2006/main">
+  <p:cSld>
+    <p:spTree>
+      <p:nvGrpSpPr>
+        <p:cNvPr id="1" name=""/>
+        <p:cNvGrpSpPr/>
+        <p:nvPr/>
+      </p:nvGrpSpPr>
+      <p:grpSpPr>
+        <a:xfrm>
+          <a:off x="0" y="0"/>
+          <a:ext cx="0" cy="0"/>
+          <a:chOff x="0" y="0"/>
+          <a:chExt cx="0" cy="0"/>
+        </a:xfrm>
+      </p:grpSpPr>
+      <p:sp>
+        <p:nvSpPr>
+          <p:cNvPr id="2" name="タイトル 1"/>
+          <p:cNvSpPr>
+            <a:spLocks noGrp="1"/>
+          </p:cNvSpPr>
+          <p:nvPr>
+            <p:ph type="title"/>
+          </p:nvPr>
+        </p:nvSpPr>
+        <p:spPr/>
+        <p:txBody>
+          <a:bodyPr/>
+          <a:lstStyle/>
+          <a:p>
+            <a:endParaRPr kumimoji="1" lang="ja-JP" altLang="en-US"/>
+          </a:p>
+        </p:txBody>
+      </p:sp>
+      <p:sp>
+        <p:nvSpPr>
+          <p:cNvPr id="3" name="コンテンツ プレースホルダー 2"/>
+          <p:cNvSpPr>
+            <a:spLocks noGrp="1"/>
+          </p:cNvSpPr>
+          <p:nvPr>
+            <p:ph idx="1"/>
+          </p:nvPr>
+        </p:nvSpPr>
+        <p:spPr/>
+        <p:txBody>
+          <a:bodyPr/>
+          <a:lstStyle/>
+          <a:p>
+            <a:endParaRPr kumimoji="1" lang="ja-JP" altLang="en-US"/>
+          </a:p>
+        </p:txBody>
+      </p:sp>
+    </p:spTree>
+    <p:extLst>
+      <p:ext uri="{BB962C8B-B14F-4D97-AF65-F5344CB8AC3E}">
+        <p14:creationId xmlns:p14="http://schemas.microsoft.com/office/powerpoint/2010/main" val="3925623356"/>
+      </p:ext>
+    </p:extLst>
+  </p:cSld>
+  <p:clrMapOvr>
+    <a:masterClrMapping/>
+  </p:clrMapOvr>
+</p:sld>
+</file>
+
+<file path=ppt/slides/slide9.xml><?xml version="1.0" encoding="utf-8"?>
+<p:sld xmlns:a="http://schemas.openxmlformats.org/drawingml/2006/main" xmlns:r="http://schemas.openxmlformats.org/officeDocument/2006/relationships" xmlns:p="http://schemas.openxmlformats.org/presentationml/2006/main">
+  <p:cSld>
+    <p:spTree>
+      <p:nvGrpSpPr>
+        <p:cNvPr id="1" name=""/>
+        <p:cNvGrpSpPr/>
+        <p:nvPr/>
+      </p:nvGrpSpPr>
+      <p:grpSpPr>
+        <a:xfrm>
+          <a:off x="0" y="0"/>
+          <a:ext cx="0" cy="0"/>
+          <a:chOff x="0" y="0"/>
+          <a:chExt cx="0" cy="0"/>
+        </a:xfrm>
+      </p:grpSpPr>
+      <p:sp>
+        <p:nvSpPr>
+          <p:cNvPr id="2" name="タイトル 1"/>
+          <p:cNvSpPr>
+            <a:spLocks noGrp="1"/>
+          </p:cNvSpPr>
+          <p:nvPr>
+            <p:ph type="title"/>
+          </p:nvPr>
+        </p:nvSpPr>
+        <p:spPr/>
+        <p:txBody>
+          <a:bodyPr/>
+          <a:lstStyle/>
+          <a:p>
+            <a:r>
+              <a:rPr kumimoji="1" lang="ja-JP" altLang="en-US" dirty="0" smtClean="0"/>
+              <a:t>実際にやってみた</a:t>
+            </a:r>
+            <a:endParaRPr kumimoji="1" lang="ja-JP" altLang="en-US" dirty="0"/>
+          </a:p>
+        </p:txBody>
+      </p:sp>
+      <p:sp>
+        <p:nvSpPr>
+          <p:cNvPr id="3" name="コンテンツ プレースホルダー 2"/>
+          <p:cNvSpPr>
+            <a:spLocks noGrp="1"/>
+          </p:cNvSpPr>
+          <p:nvPr>
+            <p:ph idx="1"/>
+          </p:nvPr>
+        </p:nvSpPr>
+        <p:spPr/>
+        <p:txBody>
+          <a:bodyPr/>
+          <a:lstStyle/>
+          <a:p>
+            <a:endParaRPr kumimoji="1" lang="ja-JP" altLang="en-US" dirty="0"/>
+          </a:p>
+        </p:txBody>
+      </p:sp>
+    </p:spTree>
+    <p:extLst>
+      <p:ext uri="{BB962C8B-B14F-4D97-AF65-F5344CB8AC3E}">
+        <p14:creationId xmlns:p14="http://schemas.microsoft.com/office/powerpoint/2010/main" val="3488224969"/>
       </p:ext>
     </p:extLst>
   </p:cSld>

--- a/objectStudy.pptx
+++ b/objectStudy.pptx
@@ -10,18 +10,22 @@
     <p:sldId id="264" r:id="rId4"/>
     <p:sldId id="265" r:id="rId5"/>
     <p:sldId id="258" r:id="rId6"/>
-    <p:sldId id="261" r:id="rId7"/>
-    <p:sldId id="259" r:id="rId8"/>
-    <p:sldId id="260" r:id="rId9"/>
-    <p:sldId id="262" r:id="rId10"/>
+    <p:sldId id="274" r:id="rId7"/>
+    <p:sldId id="261" r:id="rId8"/>
+    <p:sldId id="259" r:id="rId9"/>
+    <p:sldId id="277" r:id="rId10"/>
     <p:sldId id="263" r:id="rId11"/>
-    <p:sldId id="266" r:id="rId12"/>
-    <p:sldId id="273" r:id="rId13"/>
+    <p:sldId id="273" r:id="rId12"/>
+    <p:sldId id="266" r:id="rId13"/>
     <p:sldId id="267" r:id="rId14"/>
-    <p:sldId id="268" r:id="rId15"/>
+    <p:sldId id="275" r:id="rId15"/>
     <p:sldId id="270" r:id="rId16"/>
-    <p:sldId id="271" r:id="rId17"/>
-    <p:sldId id="269" r:id="rId18"/>
+    <p:sldId id="278" r:id="rId17"/>
+    <p:sldId id="281" r:id="rId18"/>
+    <p:sldId id="280" r:id="rId19"/>
+    <p:sldId id="271" r:id="rId20"/>
+    <p:sldId id="269" r:id="rId21"/>
+    <p:sldId id="276" r:id="rId22"/>
   </p:sldIdLst>
   <p:sldSz cx="9144000" cy="6858000" type="screen4x3"/>
   <p:notesSz cx="6858000" cy="9144000"/>
@@ -257,7 +261,7 @@
           <a:p>
             <a:fld id="{39378AC4-C49C-4159-B332-7738B007311C}" type="datetimeFigureOut">
               <a:rPr kumimoji="1" lang="ja-JP" altLang="en-US" smtClean="0"/>
-              <a:t>2013/8/5</a:t>
+              <a:t>2013/8/6</a:t>
             </a:fld>
             <a:endParaRPr kumimoji="1" lang="ja-JP" altLang="en-US"/>
           </a:p>
@@ -602,7 +606,7 @@
           <a:p>
             <a:fld id="{39378AC4-C49C-4159-B332-7738B007311C}" type="datetimeFigureOut">
               <a:rPr kumimoji="1" lang="ja-JP" altLang="en-US" smtClean="0"/>
-              <a:t>2013/8/5</a:t>
+              <a:t>2013/8/6</a:t>
             </a:fld>
             <a:endParaRPr kumimoji="1" lang="ja-JP" altLang="en-US"/>
           </a:p>
@@ -819,7 +823,7 @@
           <a:p>
             <a:fld id="{39378AC4-C49C-4159-B332-7738B007311C}" type="datetimeFigureOut">
               <a:rPr kumimoji="1" lang="ja-JP" altLang="en-US" smtClean="0"/>
-              <a:t>2013/8/5</a:t>
+              <a:t>2013/8/6</a:t>
             </a:fld>
             <a:endParaRPr kumimoji="1" lang="ja-JP" altLang="en-US"/>
           </a:p>
@@ -1026,7 +1030,7 @@
           <a:p>
             <a:fld id="{39378AC4-C49C-4159-B332-7738B007311C}" type="datetimeFigureOut">
               <a:rPr kumimoji="1" lang="ja-JP" altLang="en-US" smtClean="0"/>
-              <a:t>2013/8/5</a:t>
+              <a:t>2013/8/6</a:t>
             </a:fld>
             <a:endParaRPr kumimoji="1" lang="ja-JP" altLang="en-US"/>
           </a:p>
@@ -1294,7 +1298,7 @@
           <a:p>
             <a:fld id="{39378AC4-C49C-4159-B332-7738B007311C}" type="datetimeFigureOut">
               <a:rPr kumimoji="1" lang="ja-JP" altLang="en-US" smtClean="0"/>
-              <a:t>2013/8/5</a:t>
+              <a:t>2013/8/6</a:t>
             </a:fld>
             <a:endParaRPr kumimoji="1" lang="ja-JP" altLang="en-US"/>
           </a:p>
@@ -1826,7 +1830,7 @@
           <a:p>
             <a:fld id="{39378AC4-C49C-4159-B332-7738B007311C}" type="datetimeFigureOut">
               <a:rPr kumimoji="1" lang="ja-JP" altLang="en-US" smtClean="0"/>
-              <a:t>2013/8/5</a:t>
+              <a:t>2013/8/6</a:t>
             </a:fld>
             <a:endParaRPr kumimoji="1" lang="ja-JP" altLang="en-US"/>
           </a:p>
@@ -2379,7 +2383,7 @@
           <a:p>
             <a:fld id="{39378AC4-C49C-4159-B332-7738B007311C}" type="datetimeFigureOut">
               <a:rPr kumimoji="1" lang="ja-JP" altLang="en-US" smtClean="0"/>
-              <a:t>2013/8/5</a:t>
+              <a:t>2013/8/6</a:t>
             </a:fld>
             <a:endParaRPr kumimoji="1" lang="ja-JP" altLang="en-US"/>
           </a:p>
@@ -2505,7 +2509,7 @@
           <a:p>
             <a:fld id="{39378AC4-C49C-4159-B332-7738B007311C}" type="datetimeFigureOut">
               <a:rPr kumimoji="1" lang="ja-JP" altLang="en-US" smtClean="0"/>
-              <a:t>2013/8/5</a:t>
+              <a:t>2013/8/6</a:t>
             </a:fld>
             <a:endParaRPr kumimoji="1" lang="ja-JP" altLang="en-US"/>
           </a:p>
@@ -2649,7 +2653,7 @@
           <a:p>
             <a:fld id="{39378AC4-C49C-4159-B332-7738B007311C}" type="datetimeFigureOut">
               <a:rPr kumimoji="1" lang="ja-JP" altLang="en-US" smtClean="0"/>
-              <a:t>2013/8/5</a:t>
+              <a:t>2013/8/6</a:t>
             </a:fld>
             <a:endParaRPr kumimoji="1" lang="ja-JP" altLang="en-US"/>
           </a:p>
@@ -3003,7 +3007,7 @@
           <a:p>
             <a:fld id="{39378AC4-C49C-4159-B332-7738B007311C}" type="datetimeFigureOut">
               <a:rPr kumimoji="1" lang="ja-JP" altLang="en-US" smtClean="0"/>
-              <a:t>2013/8/5</a:t>
+              <a:t>2013/8/6</a:t>
             </a:fld>
             <a:endParaRPr kumimoji="1" lang="ja-JP" altLang="en-US"/>
           </a:p>
@@ -3137,7 +3141,7 @@
           <a:p>
             <a:fld id="{39378AC4-C49C-4159-B332-7738B007311C}" type="datetimeFigureOut">
               <a:rPr kumimoji="1" lang="ja-JP" altLang="en-US" smtClean="0"/>
-              <a:t>2013/8/5</a:t>
+              <a:t>2013/8/6</a:t>
             </a:fld>
             <a:endParaRPr kumimoji="1" lang="ja-JP" altLang="en-US"/>
           </a:p>
@@ -3950,7 +3954,7 @@
           <a:p>
             <a:fld id="{39378AC4-C49C-4159-B332-7738B007311C}" type="datetimeFigureOut">
               <a:rPr kumimoji="1" lang="ja-JP" altLang="en-US" smtClean="0"/>
-              <a:t>2013/8/5</a:t>
+              <a:t>2013/8/6</a:t>
             </a:fld>
             <a:endParaRPr kumimoji="1" lang="ja-JP" altLang="en-US"/>
           </a:p>
@@ -4548,26 +4552,49 @@
           <a:bodyPr/>
           <a:lstStyle/>
           <a:p>
-            <a:endParaRPr kumimoji="1" lang="ja-JP" altLang="en-US"/>
-          </a:p>
-        </p:txBody>
-      </p:sp>
-      <p:sp>
-        <p:nvSpPr>
-          <p:cNvPr id="3" name="コンテンツ プレースホルダー 2"/>
-          <p:cNvSpPr>
-            <a:spLocks noGrp="1"/>
-          </p:cNvSpPr>
-          <p:nvPr>
-            <p:ph idx="1"/>
-          </p:nvPr>
-        </p:nvSpPr>
-        <p:spPr/>
-        <p:txBody>
-          <a:bodyPr/>
+            <a:endParaRPr kumimoji="1" lang="ja-JP" altLang="en-US" dirty="0"/>
+          </a:p>
+        </p:txBody>
+      </p:sp>
+      <p:sp>
+        <p:nvSpPr>
+          <p:cNvPr id="4" name="テキスト ボックス 3"/>
+          <p:cNvSpPr txBox="1"/>
+          <p:nvPr/>
+        </p:nvSpPr>
+        <p:spPr>
+          <a:xfrm>
+            <a:off x="1259632" y="6093296"/>
+            <a:ext cx="4968552" cy="369332"/>
+          </a:xfrm>
+          <a:prstGeom prst="rect">
+            <a:avLst/>
+          </a:prstGeom>
+          <a:noFill/>
+        </p:spPr>
+        <p:txBody>
+          <a:bodyPr wrap="square" rtlCol="0">
+            <a:spAutoFit/>
+          </a:bodyPr>
           <a:lstStyle/>
           <a:p>
-            <a:endParaRPr kumimoji="1" lang="ja-JP" altLang="en-US"/>
+            <a:r>
+              <a:rPr kumimoji="1" lang="ja-JP" altLang="en-US" dirty="0" smtClean="0"/>
+              <a:t>くぅ</a:t>
+            </a:r>
+            <a:r>
+              <a:rPr lang="ja-JP" altLang="en-US" dirty="0" smtClean="0"/>
+              <a:t>～疲れました</a:t>
+            </a:r>
+            <a:r>
+              <a:rPr lang="ja-JP" altLang="en-US" dirty="0" err="1" smtClean="0"/>
+              <a:t>ｗ</a:t>
+            </a:r>
+            <a:r>
+              <a:rPr lang="ja-JP" altLang="en-US" dirty="0" smtClean="0"/>
+              <a:t>これにて実装完了です！</a:t>
+            </a:r>
+            <a:endParaRPr kumimoji="1" lang="ja-JP" altLang="en-US" dirty="0"/>
           </a:p>
         </p:txBody>
       </p:sp>
@@ -4640,31 +4667,12 @@
           <a:lstStyle/>
           <a:p>
             <a:r>
-              <a:rPr lang="ja-JP" altLang="en-US" dirty="0" smtClean="0"/>
-              <a:t>名前付ける</a:t>
-            </a:r>
-            <a:endParaRPr lang="en-US" altLang="ja-JP" dirty="0" smtClean="0"/>
-          </a:p>
-          <a:p>
-            <a:pPr marL="82296" indent="0">
-              <a:buNone/>
-            </a:pPr>
-            <a:r>
-              <a:rPr lang="ja-JP" altLang="en-US" dirty="0" smtClean="0"/>
-              <a:t>プレイヤー</a:t>
-            </a:r>
-            <a:r>
-              <a:rPr lang="en-US" altLang="ja-JP" dirty="0" smtClean="0"/>
-              <a:t>name</a:t>
-            </a:r>
-            <a:r>
-              <a:rPr lang="ja-JP" altLang="en-US" dirty="0" smtClean="0"/>
-              <a:t>的な変数も追加して</a:t>
-            </a:r>
-            <a:r>
-              <a:rPr lang="en-US" altLang="ja-JP" dirty="0" smtClean="0"/>
-              <a:t>…</a:t>
-            </a:r>
+              <a:rPr lang="ja-JP" altLang="en-US" b="1" dirty="0" smtClean="0"/>
+              <a:t>プレイヤーに名前を付けたいよ</a:t>
+            </a:r>
+            <a:endParaRPr lang="en-US" altLang="ja-JP" b="1" dirty="0" smtClean="0"/>
+          </a:p>
+          <a:p>
             <a:endParaRPr kumimoji="1" lang="en-US" altLang="ja-JP" dirty="0" smtClean="0"/>
           </a:p>
           <a:p>
@@ -4672,50 +4680,30 @@
           </a:p>
           <a:p>
             <a:r>
-              <a:rPr lang="ja-JP" altLang="en-US" dirty="0" smtClean="0"/>
-              <a:t>人増やす</a:t>
-            </a:r>
-            <a:endParaRPr lang="en-US" altLang="ja-JP" dirty="0" smtClean="0"/>
-          </a:p>
-          <a:p>
-            <a:pPr marL="82296" indent="0">
-              <a:buNone/>
-            </a:pPr>
-            <a:r>
-              <a:rPr kumimoji="1" lang="ja-JP" altLang="en-US" dirty="0" smtClean="0"/>
-              <a:t>結果判定を超カオスにすればできる</a:t>
-            </a:r>
-            <a:r>
-              <a:rPr kumimoji="1" lang="en-US" altLang="ja-JP" dirty="0" smtClean="0"/>
-              <a:t>^q^</a:t>
-            </a:r>
+              <a:rPr lang="ja-JP" altLang="en-US" b="1" dirty="0" smtClean="0"/>
+              <a:t>２人じゃなくて大勢にしたいよ</a:t>
+            </a:r>
+            <a:endParaRPr lang="en-US" altLang="ja-JP" b="1" dirty="0" smtClean="0"/>
           </a:p>
           <a:p>
             <a:endParaRPr kumimoji="1" lang="en-US" altLang="ja-JP" dirty="0" smtClean="0"/>
           </a:p>
           <a:p>
-            <a:r>
-              <a:rPr lang="ja-JP" altLang="en-US" dirty="0" smtClean="0"/>
-              <a:t>戦略を実装</a:t>
-            </a:r>
-            <a:endParaRPr lang="en-US" altLang="ja-JP" dirty="0" smtClean="0"/>
-          </a:p>
-          <a:p>
-            <a:pPr marL="82296" indent="0">
-              <a:buNone/>
-            </a:pPr>
-            <a:r>
-              <a:rPr kumimoji="1" lang="ja-JP" altLang="en-US" dirty="0"/>
-              <a:t>ファッ！？</a:t>
-            </a:r>
-            <a:endParaRPr kumimoji="1" lang="ja-JP" altLang="en-US" dirty="0"/>
+            <a:endParaRPr kumimoji="1" lang="en-US" altLang="ja-JP" dirty="0" smtClean="0"/>
+          </a:p>
+          <a:p>
+            <a:r>
+              <a:rPr lang="ja-JP" altLang="en-US" b="1" dirty="0" smtClean="0"/>
+              <a:t>プレイヤーごとの戦略をつくりたいよ</a:t>
+            </a:r>
+            <a:endParaRPr kumimoji="1" lang="ja-JP" altLang="en-US" b="1" dirty="0"/>
           </a:p>
         </p:txBody>
       </p:sp>
     </p:spTree>
     <p:extLst>
       <p:ext uri="{BB962C8B-B14F-4D97-AF65-F5344CB8AC3E}">
-        <p14:creationId xmlns:p14="http://schemas.microsoft.com/office/powerpoint/2010/main" val="3156622035"/>
+        <p14:creationId xmlns:p14="http://schemas.microsoft.com/office/powerpoint/2010/main" val="3962998797"/>
       </p:ext>
     </p:extLst>
   </p:cSld>
@@ -4777,47 +4765,145 @@
         </p:nvSpPr>
         <p:spPr/>
         <p:txBody>
-          <a:bodyPr/>
+          <a:bodyPr>
+            <a:normAutofit/>
+          </a:bodyPr>
           <a:lstStyle/>
           <a:p>
             <a:r>
+              <a:rPr lang="ja-JP" altLang="en-US" b="1" dirty="0"/>
+              <a:t>プレイヤーに名前を付けたいよ</a:t>
+            </a:r>
+            <a:endParaRPr lang="en-US" altLang="ja-JP" b="1" dirty="0"/>
+          </a:p>
+          <a:p>
+            <a:pPr marL="82296" indent="0">
+              <a:buNone/>
+            </a:pPr>
+            <a:r>
               <a:rPr lang="ja-JP" altLang="en-US" dirty="0" smtClean="0"/>
-              <a:t>名前付ける</a:t>
-            </a:r>
-            <a:endParaRPr lang="en-US" altLang="ja-JP" dirty="0" smtClean="0"/>
-          </a:p>
-          <a:p>
-            <a:endParaRPr kumimoji="1" lang="en-US" altLang="ja-JP" dirty="0" smtClean="0"/>
-          </a:p>
-          <a:p>
+              <a:t>　</a:t>
+            </a:r>
+            <a:r>
+              <a:rPr lang="en-US" altLang="ja-JP" sz="2800" dirty="0" smtClean="0"/>
+              <a:t>player1Name</a:t>
+            </a:r>
+            <a:r>
+              <a:rPr lang="ja-JP" altLang="en-US" sz="2800" dirty="0" smtClean="0"/>
+              <a:t>的な変数も追加して</a:t>
+            </a:r>
+            <a:r>
+              <a:rPr lang="en-US" altLang="ja-JP" sz="2800" dirty="0" smtClean="0"/>
+              <a:t>…</a:t>
+            </a:r>
+          </a:p>
+          <a:p>
+            <a:pPr marL="82296" indent="0">
+              <a:buNone/>
+            </a:pPr>
+            <a:r>
+              <a:rPr kumimoji="1" lang="ja-JP" altLang="en-US" sz="2800" dirty="0"/>
+              <a:t>　</a:t>
+            </a:r>
+            <a:r>
+              <a:rPr kumimoji="1" lang="en-US" altLang="ja-JP" sz="2800" dirty="0" err="1" smtClean="0"/>
+              <a:t>sysout</a:t>
+            </a:r>
+            <a:r>
+              <a:rPr kumimoji="1" lang="ja-JP" altLang="en-US" sz="2800" dirty="0" smtClean="0"/>
+              <a:t>全部</a:t>
+            </a:r>
+            <a:r>
+              <a:rPr kumimoji="1" lang="ja-JP" altLang="en-US" sz="2800" dirty="0" err="1" smtClean="0"/>
+              <a:t>変えるの</a:t>
+            </a:r>
+            <a:r>
+              <a:rPr kumimoji="1" lang="ja-JP" altLang="en-US" sz="2800" dirty="0" smtClean="0"/>
+              <a:t>面倒だなぁ</a:t>
+            </a:r>
+            <a:r>
+              <a:rPr kumimoji="1" lang="ja-JP" altLang="en-US" dirty="0" smtClean="0"/>
+              <a:t>　</a:t>
+            </a:r>
             <a:endParaRPr kumimoji="1" lang="en-US" altLang="ja-JP" dirty="0"/>
           </a:p>
           <a:p>
             <a:r>
-              <a:rPr lang="ja-JP" altLang="en-US" dirty="0" smtClean="0"/>
-              <a:t>人増やす</a:t>
-            </a:r>
-            <a:endParaRPr lang="en-US" altLang="ja-JP" dirty="0" smtClean="0"/>
-          </a:p>
-          <a:p>
-            <a:endParaRPr kumimoji="1" lang="en-US" altLang="ja-JP" dirty="0" smtClean="0"/>
-          </a:p>
-          <a:p>
-            <a:endParaRPr kumimoji="1" lang="en-US" altLang="ja-JP" dirty="0" smtClean="0"/>
-          </a:p>
-          <a:p>
-            <a:r>
-              <a:rPr lang="ja-JP" altLang="en-US" dirty="0" smtClean="0"/>
-              <a:t>戦略を実装</a:t>
-            </a:r>
-            <a:endParaRPr kumimoji="1" lang="ja-JP" altLang="en-US" dirty="0"/>
+              <a:rPr lang="ja-JP" altLang="en-US" b="1" dirty="0"/>
+              <a:t>２人じゃなくて大勢にしたいよ</a:t>
+            </a:r>
+            <a:endParaRPr lang="en-US" altLang="ja-JP" b="1" dirty="0"/>
+          </a:p>
+          <a:p>
+            <a:pPr marL="82296" indent="0">
+              <a:buNone/>
+            </a:pPr>
+            <a:r>
+              <a:rPr kumimoji="1" lang="ja-JP" altLang="en-US" dirty="0" smtClean="0"/>
+              <a:t>　</a:t>
+            </a:r>
+            <a:r>
+              <a:rPr kumimoji="1" lang="ja-JP" altLang="en-US" sz="2800" dirty="0" smtClean="0"/>
+              <a:t>結果</a:t>
+            </a:r>
+            <a:r>
+              <a:rPr kumimoji="1" lang="ja-JP" altLang="en-US" sz="2800" dirty="0" smtClean="0"/>
+              <a:t>判定</a:t>
+            </a:r>
+            <a:r>
+              <a:rPr kumimoji="1" lang="ja-JP" altLang="en-US" sz="2800" dirty="0" smtClean="0"/>
+              <a:t>をカオス</a:t>
+            </a:r>
+            <a:r>
+              <a:rPr kumimoji="1" lang="ja-JP" altLang="en-US" sz="2800" dirty="0" smtClean="0"/>
+              <a:t>にすればできる</a:t>
+            </a:r>
+            <a:r>
+              <a:rPr kumimoji="1" lang="en-US" altLang="ja-JP" sz="2800" dirty="0" smtClean="0"/>
+              <a:t>^q</a:t>
+            </a:r>
+            <a:r>
+              <a:rPr kumimoji="1" lang="en-US" altLang="ja-JP" sz="2800" dirty="0" smtClean="0"/>
+              <a:t>^</a:t>
+            </a:r>
+            <a:r>
+              <a:rPr kumimoji="1" lang="ja-JP" altLang="en-US" sz="3600" dirty="0" smtClean="0"/>
+              <a:t>　</a:t>
+            </a:r>
+            <a:endParaRPr kumimoji="1" lang="en-US" altLang="ja-JP" sz="3600" dirty="0" smtClean="0"/>
+          </a:p>
+          <a:p>
+            <a:endParaRPr kumimoji="1" lang="en-US" altLang="ja-JP" sz="2800" dirty="0" smtClean="0"/>
+          </a:p>
+          <a:p>
+            <a:r>
+              <a:rPr lang="ja-JP" altLang="en-US" b="1" dirty="0"/>
+              <a:t>プレイヤーごとの戦略をつくりたいよ</a:t>
+            </a:r>
+          </a:p>
+          <a:p>
+            <a:pPr marL="82296" indent="0">
+              <a:buNone/>
+            </a:pPr>
+            <a:r>
+              <a:rPr kumimoji="1" lang="ja-JP" altLang="en-US" dirty="0" smtClean="0"/>
+              <a:t>　</a:t>
+            </a:r>
+            <a:r>
+              <a:rPr kumimoji="1" lang="ja-JP" altLang="en-US" sz="2800" dirty="0" smtClean="0"/>
+              <a:t>ファッ</a:t>
+            </a:r>
+            <a:r>
+              <a:rPr kumimoji="1" lang="ja-JP" altLang="en-US" sz="2800" dirty="0"/>
+              <a:t>！？</a:t>
+            </a:r>
           </a:p>
         </p:txBody>
       </p:sp>
     </p:spTree>
     <p:extLst>
       <p:ext uri="{BB962C8B-B14F-4D97-AF65-F5344CB8AC3E}">
-        <p14:creationId xmlns:p14="http://schemas.microsoft.com/office/powerpoint/2010/main" val="3962998797"/>
+        <p14:creationId xmlns:p14="http://schemas.microsoft.com/office/powerpoint/2010/main" val="3156622035"/>
       </p:ext>
     </p:extLst>
   </p:cSld>
@@ -4856,54 +4942,56 @@
         </p:nvSpPr>
         <p:spPr/>
         <p:txBody>
+          <a:bodyPr>
+            <a:normAutofit/>
+          </a:bodyPr>
+          <a:lstStyle/>
+          <a:p>
+            <a:r>
+              <a:rPr kumimoji="1" lang="ja-JP" altLang="en-US" dirty="0" smtClean="0"/>
+              <a:t>非オブジェクト指向の限界</a:t>
+            </a:r>
+            <a:endParaRPr kumimoji="1" lang="ja-JP" altLang="en-US" dirty="0"/>
+          </a:p>
+        </p:txBody>
+      </p:sp>
+      <p:sp>
+        <p:nvSpPr>
+          <p:cNvPr id="3" name="コンテンツ プレースホルダー 2"/>
+          <p:cNvSpPr>
+            <a:spLocks noGrp="1"/>
+          </p:cNvSpPr>
+          <p:nvPr>
+            <p:ph idx="1"/>
+          </p:nvPr>
+        </p:nvSpPr>
+        <p:spPr/>
+        <p:txBody>
           <a:bodyPr/>
           <a:lstStyle/>
           <a:p>
-            <a:endParaRPr kumimoji="1" lang="ja-JP" altLang="en-US"/>
-          </a:p>
-        </p:txBody>
-      </p:sp>
-      <p:sp>
-        <p:nvSpPr>
-          <p:cNvPr id="3" name="コンテンツ プレースホルダー 2"/>
-          <p:cNvSpPr>
-            <a:spLocks noGrp="1"/>
-          </p:cNvSpPr>
-          <p:nvPr>
-            <p:ph idx="1"/>
-          </p:nvPr>
-        </p:nvSpPr>
-        <p:spPr/>
-        <p:txBody>
-          <a:bodyPr/>
-          <a:lstStyle/>
-          <a:p>
             <a:r>
               <a:rPr kumimoji="1" lang="ja-JP" altLang="en-US" dirty="0" smtClean="0"/>
-              <a:t>非オブジェクトの限界</a:t>
-            </a:r>
+              <a:t>非オブジェクト指向では、ソフトウェアの変更に対応しにくい</a:t>
+            </a:r>
+            <a:endParaRPr lang="en-US" altLang="ja-JP" dirty="0"/>
+          </a:p>
+          <a:p>
             <a:endParaRPr kumimoji="1" lang="en-US" altLang="ja-JP" dirty="0" smtClean="0"/>
           </a:p>
           <a:p>
-            <a:endParaRPr lang="en-US" altLang="ja-JP" dirty="0"/>
-          </a:p>
-          <a:p>
-            <a:endParaRPr kumimoji="1" lang="en-US" altLang="ja-JP" dirty="0" smtClean="0"/>
+            <a:pPr marL="82296" indent="0">
+              <a:buNone/>
+            </a:pPr>
+            <a:endParaRPr lang="en-US" altLang="ja-JP" dirty="0" smtClean="0"/>
+          </a:p>
+          <a:p>
+            <a:endParaRPr kumimoji="1" lang="en-US" altLang="ja-JP" dirty="0"/>
           </a:p>
           <a:p>
             <a:r>
               <a:rPr lang="ja-JP" altLang="en-US" dirty="0" smtClean="0"/>
-              <a:t>↓</a:t>
-            </a:r>
-            <a:endParaRPr lang="en-US" altLang="ja-JP" dirty="0" smtClean="0"/>
-          </a:p>
-          <a:p>
-            <a:endParaRPr kumimoji="1" lang="en-US" altLang="ja-JP" dirty="0"/>
-          </a:p>
-          <a:p>
-            <a:r>
-              <a:rPr lang="ja-JP" altLang="en-US" dirty="0"/>
-              <a:t>機能</a:t>
+              <a:t>変更・機能</a:t>
             </a:r>
             <a:r>
               <a:rPr lang="ja-JP" altLang="en-US" dirty="0" smtClean="0"/>
@@ -4918,14 +5006,64 @@
               <a:t>です</a:t>
             </a:r>
             <a:r>
-              <a:rPr lang="ja-JP" altLang="en-US" dirty="0"/>
+              <a:rPr lang="ja-JP" altLang="en-US" dirty="0" smtClean="0"/>
               <a:t>。</a:t>
             </a:r>
+            <a:endParaRPr lang="en-US" altLang="ja-JP" dirty="0" smtClean="0"/>
+          </a:p>
+          <a:p>
+            <a:pPr marL="82296" indent="0">
+              <a:buNone/>
+            </a:pPr>
             <a:r>
               <a:rPr lang="ja-JP" altLang="en-US" dirty="0" smtClean="0"/>
-              <a:t>そう、オブジェクト指向ならね。</a:t>
+              <a:t>  そう</a:t>
+            </a:r>
+            <a:r>
+              <a:rPr lang="ja-JP" altLang="en-US" dirty="0" smtClean="0"/>
+              <a:t>、オブジェクト指向ならね。</a:t>
             </a:r>
             <a:endParaRPr kumimoji="1" lang="ja-JP" altLang="en-US" dirty="0"/>
+          </a:p>
+        </p:txBody>
+      </p:sp>
+      <p:sp>
+        <p:nvSpPr>
+          <p:cNvPr id="4" name="下矢印 3"/>
+          <p:cNvSpPr/>
+          <p:nvPr/>
+        </p:nvSpPr>
+        <p:spPr>
+          <a:xfrm>
+            <a:off x="4355976" y="2780928"/>
+            <a:ext cx="1512168" cy="1152128"/>
+          </a:xfrm>
+          <a:prstGeom prst="downArrow">
+            <a:avLst/>
+          </a:prstGeom>
+        </p:spPr>
+        <p:style>
+          <a:lnRef idx="2">
+            <a:schemeClr val="accent1">
+              <a:shade val="50000"/>
+            </a:schemeClr>
+          </a:lnRef>
+          <a:fillRef idx="1">
+            <a:schemeClr val="accent1"/>
+          </a:fillRef>
+          <a:effectRef idx="0">
+            <a:schemeClr val="accent1"/>
+          </a:effectRef>
+          <a:fontRef idx="minor">
+            <a:schemeClr val="lt1"/>
+          </a:fontRef>
+        </p:style>
+        <p:txBody>
+          <a:bodyPr rtlCol="0" anchor="ctr"/>
+          <a:lstStyle/>
+          <a:p>
+            <a:pPr algn="ctr"/>
+            <a:endParaRPr kumimoji="1" lang="ja-JP" altLang="en-US"/>
           </a:p>
         </p:txBody>
       </p:sp>
@@ -4974,7 +5112,11 @@
           <a:bodyPr/>
           <a:lstStyle/>
           <a:p>
-            <a:endParaRPr kumimoji="1" lang="ja-JP" altLang="en-US"/>
+            <a:r>
+              <a:rPr kumimoji="1" lang="ja-JP" altLang="en-US" dirty="0" smtClean="0"/>
+              <a:t>方針</a:t>
+            </a:r>
+            <a:endParaRPr kumimoji="1" lang="ja-JP" altLang="en-US" dirty="0"/>
           </a:p>
         </p:txBody>
       </p:sp>
@@ -4993,14 +5135,42 @@
           <a:bodyPr/>
           <a:lstStyle/>
           <a:p>
-            <a:endParaRPr kumimoji="1" lang="ja-JP" altLang="en-US"/>
+            <a:r>
+              <a:rPr kumimoji="1" lang="ja-JP" altLang="en-US" dirty="0" smtClean="0"/>
+              <a:t>基本は写経</a:t>
+            </a:r>
+            <a:endParaRPr kumimoji="1" lang="en-US" altLang="ja-JP" dirty="0" smtClean="0"/>
+          </a:p>
+          <a:p>
+            <a:endParaRPr lang="en-US" altLang="ja-JP" dirty="0"/>
+          </a:p>
+          <a:p>
+            <a:r>
+              <a:rPr kumimoji="1" lang="ja-JP" altLang="en-US" dirty="0" smtClean="0"/>
+              <a:t>単体テストをつくっておく</a:t>
+            </a:r>
+            <a:endParaRPr kumimoji="1" lang="en-US" altLang="ja-JP" dirty="0" smtClean="0"/>
+          </a:p>
+          <a:p>
+            <a:endParaRPr lang="en-US" altLang="ja-JP" dirty="0"/>
+          </a:p>
+          <a:p>
+            <a:r>
+              <a:rPr kumimoji="1" lang="ja-JP" altLang="en-US" dirty="0" smtClean="0"/>
+              <a:t>ドライバも</a:t>
+            </a:r>
+            <a:r>
+              <a:rPr lang="en-US" altLang="ja-JP" dirty="0" err="1" smtClean="0"/>
+              <a:t>jUnit</a:t>
+            </a:r>
+            <a:endParaRPr lang="en-US" altLang="ja-JP" dirty="0"/>
           </a:p>
         </p:txBody>
       </p:sp>
     </p:spTree>
     <p:extLst>
       <p:ext uri="{BB962C8B-B14F-4D97-AF65-F5344CB8AC3E}">
-        <p14:creationId xmlns:p14="http://schemas.microsoft.com/office/powerpoint/2010/main" val="868550525"/>
+        <p14:creationId xmlns:p14="http://schemas.microsoft.com/office/powerpoint/2010/main" val="246383582"/>
       </p:ext>
     </p:extLst>
   </p:cSld>
@@ -5042,7 +5212,11 @@
           <a:bodyPr/>
           <a:lstStyle/>
           <a:p>
-            <a:endParaRPr kumimoji="1" lang="ja-JP" altLang="en-US"/>
+            <a:r>
+              <a:rPr kumimoji="1" lang="ja-JP" altLang="en-US" dirty="0" smtClean="0"/>
+              <a:t>現実世界の状況を落とし込む</a:t>
+            </a:r>
+            <a:endParaRPr kumimoji="1" lang="ja-JP" altLang="en-US" dirty="0"/>
           </a:p>
         </p:txBody>
       </p:sp>
@@ -5061,7 +5235,7 @@
           <a:bodyPr/>
           <a:lstStyle/>
           <a:p>
-            <a:endParaRPr kumimoji="1" lang="ja-JP" altLang="en-US"/>
+            <a:endParaRPr kumimoji="1" lang="ja-JP" altLang="en-US" dirty="0"/>
           </a:p>
         </p:txBody>
       </p:sp>
@@ -5107,51 +5281,33 @@
         </p:nvSpPr>
         <p:spPr/>
         <p:txBody>
+          <a:bodyPr>
+            <a:normAutofit fontScale="90000"/>
+          </a:bodyPr>
+          <a:lstStyle/>
+          <a:p>
+            <a:r>
+              <a:rPr kumimoji="1" lang="ja-JP" altLang="en-US" dirty="0" smtClean="0"/>
+              <a:t>自分に関する情報は自分で管理</a:t>
+            </a:r>
+            <a:endParaRPr kumimoji="1" lang="ja-JP" altLang="en-US" dirty="0"/>
+          </a:p>
+        </p:txBody>
+      </p:sp>
+      <p:sp>
+        <p:nvSpPr>
+          <p:cNvPr id="3" name="コンテンツ プレースホルダー 2"/>
+          <p:cNvSpPr>
+            <a:spLocks noGrp="1"/>
+          </p:cNvSpPr>
+          <p:nvPr>
+            <p:ph idx="1"/>
+          </p:nvPr>
+        </p:nvSpPr>
+        <p:spPr/>
+        <p:txBody>
           <a:bodyPr/>
           <a:lstStyle/>
-          <a:p>
-            <a:r>
-              <a:rPr kumimoji="1" lang="ja-JP" altLang="en-US" dirty="0" smtClean="0"/>
-              <a:t>感想</a:t>
-            </a:r>
-            <a:endParaRPr kumimoji="1" lang="ja-JP" altLang="en-US" dirty="0"/>
-          </a:p>
-        </p:txBody>
-      </p:sp>
-      <p:sp>
-        <p:nvSpPr>
-          <p:cNvPr id="3" name="コンテンツ プレースホルダー 2"/>
-          <p:cNvSpPr>
-            <a:spLocks noGrp="1"/>
-          </p:cNvSpPr>
-          <p:nvPr>
-            <p:ph idx="1"/>
-          </p:nvPr>
-        </p:nvSpPr>
-        <p:spPr/>
-        <p:txBody>
-          <a:bodyPr/>
-          <a:lstStyle/>
-          <a:p>
-            <a:r>
-              <a:rPr kumimoji="1" lang="ja-JP" altLang="en-US" dirty="0" smtClean="0"/>
-              <a:t>題材がわかりやすいしサンプルソースあるし良い</a:t>
-            </a:r>
-            <a:endParaRPr kumimoji="1" lang="en-US" altLang="ja-JP" dirty="0" smtClean="0"/>
-          </a:p>
-          <a:p>
-            <a:endParaRPr lang="en-US" altLang="ja-JP" dirty="0"/>
-          </a:p>
-          <a:p>
-            <a:r>
-              <a:rPr kumimoji="1" lang="ja-JP" altLang="en-US" dirty="0" smtClean="0"/>
-              <a:t>Ｃとかとの視点変更についてかいてある</a:t>
-            </a:r>
-            <a:endParaRPr kumimoji="1" lang="en-US" altLang="ja-JP" dirty="0" smtClean="0"/>
-          </a:p>
-          <a:p>
-            <a:endParaRPr lang="en-US" altLang="ja-JP" dirty="0"/>
-          </a:p>
           <a:p>
             <a:endParaRPr kumimoji="1" lang="ja-JP" altLang="en-US" dirty="0"/>
           </a:p>
@@ -5160,7 +5316,7 @@
     </p:spTree>
     <p:extLst>
       <p:ext uri="{BB962C8B-B14F-4D97-AF65-F5344CB8AC3E}">
-        <p14:creationId xmlns:p14="http://schemas.microsoft.com/office/powerpoint/2010/main" val="1686085276"/>
+        <p14:creationId xmlns:p14="http://schemas.microsoft.com/office/powerpoint/2010/main" val="3236539734"/>
       </p:ext>
     </p:extLst>
   </p:cSld>
@@ -5202,7 +5358,11 @@
           <a:bodyPr/>
           <a:lstStyle/>
           <a:p>
-            <a:endParaRPr kumimoji="1" lang="ja-JP" altLang="en-US"/>
+            <a:r>
+              <a:rPr kumimoji="1" lang="ja-JP" altLang="en-US" dirty="0" smtClean="0"/>
+              <a:t>こういうときどうする</a:t>
+            </a:r>
+            <a:endParaRPr kumimoji="1" lang="ja-JP" altLang="en-US" dirty="0"/>
           </a:p>
         </p:txBody>
       </p:sp>
@@ -5222,30 +5382,269 @@
           <a:lstStyle/>
           <a:p>
             <a:r>
+              <a:rPr lang="ja-JP" altLang="en-US" b="1" dirty="0" smtClean="0"/>
+              <a:t>プレイヤーに名前を付けたいよ</a:t>
+            </a:r>
+            <a:endParaRPr lang="en-US" altLang="ja-JP" b="1" dirty="0" smtClean="0"/>
+          </a:p>
+          <a:p>
+            <a:pPr marL="82296" indent="0">
+              <a:buNone/>
+            </a:pPr>
+            <a:r>
               <a:rPr kumimoji="1" lang="ja-JP" altLang="en-US" dirty="0" smtClean="0"/>
-              <a:t>まだまだ鍛錬がいる。</a:t>
+              <a:t>　</a:t>
+            </a:r>
+            <a:r>
+              <a:rPr kumimoji="1" lang="en-US" altLang="ja-JP" dirty="0" smtClean="0"/>
+              <a:t>Player</a:t>
+            </a:r>
+            <a:r>
+              <a:rPr kumimoji="1" lang="ja-JP" altLang="en-US" dirty="0" smtClean="0"/>
+              <a:t>クラスに持たせる</a:t>
             </a:r>
             <a:endParaRPr kumimoji="1" lang="en-US" altLang="ja-JP" dirty="0" smtClean="0"/>
           </a:p>
           <a:p>
-            <a:endParaRPr lang="en-US" altLang="ja-JP" dirty="0"/>
-          </a:p>
-          <a:p>
+            <a:endParaRPr kumimoji="1" lang="en-US" altLang="ja-JP" dirty="0"/>
+          </a:p>
+          <a:p>
+            <a:r>
+              <a:rPr lang="ja-JP" altLang="en-US" b="1" dirty="0" smtClean="0"/>
+              <a:t>２人じゃなくて大勢にしたいよ</a:t>
+            </a:r>
+            <a:endParaRPr lang="en-US" altLang="ja-JP" b="1" dirty="0" smtClean="0"/>
+          </a:p>
+          <a:p>
+            <a:pPr marL="82296" indent="0">
+              <a:buNone/>
+            </a:pPr>
+            <a:r>
+              <a:rPr kumimoji="1" lang="ja-JP" altLang="en-US" dirty="0" smtClean="0"/>
+              <a:t>　がんばる</a:t>
+            </a:r>
             <a:endParaRPr kumimoji="1" lang="en-US" altLang="ja-JP" dirty="0" smtClean="0"/>
           </a:p>
           <a:p>
-            <a:r>
-              <a:rPr lang="ja-JP" altLang="en-US" dirty="0" smtClean="0"/>
-              <a:t>気付き：自腹で買えば勉強する</a:t>
-            </a:r>
-            <a:endParaRPr kumimoji="1" lang="ja-JP" altLang="en-US" dirty="0"/>
+            <a:endParaRPr kumimoji="1" lang="en-US" altLang="ja-JP" dirty="0" smtClean="0"/>
+          </a:p>
+          <a:p>
+            <a:r>
+              <a:rPr lang="ja-JP" altLang="en-US" b="1" dirty="0" smtClean="0"/>
+              <a:t>プレイヤーごとの戦略をつくりたいよ</a:t>
+            </a:r>
+            <a:endParaRPr lang="en-US" altLang="ja-JP" b="1" dirty="0" smtClean="0"/>
+          </a:p>
+          <a:p>
+            <a:pPr marL="82296" indent="0">
+              <a:buNone/>
+            </a:pPr>
+            <a:r>
+              <a:rPr kumimoji="1" lang="ja-JP" altLang="en-US" b="1" dirty="0"/>
+              <a:t>　</a:t>
+            </a:r>
+            <a:r>
+              <a:rPr kumimoji="1" lang="en-US" altLang="ja-JP" b="1" dirty="0" smtClean="0"/>
+              <a:t>Tactics</a:t>
+            </a:r>
+            <a:r>
+              <a:rPr kumimoji="1" lang="ja-JP" altLang="en-US" b="1" dirty="0" smtClean="0"/>
+              <a:t>インターフェースで実装</a:t>
+            </a:r>
+            <a:endParaRPr kumimoji="1" lang="ja-JP" altLang="en-US" b="1" dirty="0"/>
           </a:p>
         </p:txBody>
       </p:sp>
     </p:spTree>
     <p:extLst>
       <p:ext uri="{BB962C8B-B14F-4D97-AF65-F5344CB8AC3E}">
-        <p14:creationId xmlns:p14="http://schemas.microsoft.com/office/powerpoint/2010/main" val="868550525"/>
+        <p14:creationId xmlns:p14="http://schemas.microsoft.com/office/powerpoint/2010/main" val="2349181112"/>
+      </p:ext>
+    </p:extLst>
+  </p:cSld>
+  <p:clrMapOvr>
+    <a:masterClrMapping/>
+  </p:clrMapOvr>
+</p:sld>
+</file>
+
+<file path=ppt/slides/slide18.xml><?xml version="1.0" encoding="utf-8"?>
+<p:sld xmlns:a="http://schemas.openxmlformats.org/drawingml/2006/main" xmlns:r="http://schemas.openxmlformats.org/officeDocument/2006/relationships" xmlns:p="http://schemas.openxmlformats.org/presentationml/2006/main">
+  <p:cSld>
+    <p:spTree>
+      <p:nvGrpSpPr>
+        <p:cNvPr id="1" name=""/>
+        <p:cNvGrpSpPr/>
+        <p:nvPr/>
+      </p:nvGrpSpPr>
+      <p:grpSpPr>
+        <a:xfrm>
+          <a:off x="0" y="0"/>
+          <a:ext cx="0" cy="0"/>
+          <a:chOff x="0" y="0"/>
+          <a:chExt cx="0" cy="0"/>
+        </a:xfrm>
+      </p:grpSpPr>
+      <p:sp>
+        <p:nvSpPr>
+          <p:cNvPr id="2" name="タイトル 1"/>
+          <p:cNvSpPr>
+            <a:spLocks noGrp="1"/>
+          </p:cNvSpPr>
+          <p:nvPr>
+            <p:ph type="title"/>
+          </p:nvPr>
+        </p:nvSpPr>
+        <p:spPr/>
+        <p:txBody>
+          <a:bodyPr/>
+          <a:lstStyle/>
+          <a:p>
+            <a:endParaRPr kumimoji="1" lang="ja-JP" altLang="en-US" dirty="0"/>
+          </a:p>
+        </p:txBody>
+      </p:sp>
+      <p:sp>
+        <p:nvSpPr>
+          <p:cNvPr id="3" name="コンテンツ プレースホルダー 2"/>
+          <p:cNvSpPr>
+            <a:spLocks noGrp="1"/>
+          </p:cNvSpPr>
+          <p:nvPr>
+            <p:ph idx="1"/>
+          </p:nvPr>
+        </p:nvSpPr>
+        <p:spPr/>
+        <p:txBody>
+          <a:bodyPr/>
+          <a:lstStyle/>
+          <a:p>
+            <a:endParaRPr kumimoji="1" lang="ja-JP" altLang="en-US" dirty="0"/>
+          </a:p>
+        </p:txBody>
+      </p:sp>
+    </p:spTree>
+    <p:extLst>
+      <p:ext uri="{BB962C8B-B14F-4D97-AF65-F5344CB8AC3E}">
+        <p14:creationId xmlns:p14="http://schemas.microsoft.com/office/powerpoint/2010/main" val="3236539734"/>
+      </p:ext>
+    </p:extLst>
+  </p:cSld>
+  <p:clrMapOvr>
+    <a:masterClrMapping/>
+  </p:clrMapOvr>
+</p:sld>
+</file>
+
+<file path=ppt/slides/slide19.xml><?xml version="1.0" encoding="utf-8"?>
+<p:sld xmlns:a="http://schemas.openxmlformats.org/drawingml/2006/main" xmlns:r="http://schemas.openxmlformats.org/officeDocument/2006/relationships" xmlns:p="http://schemas.openxmlformats.org/presentationml/2006/main">
+  <p:cSld>
+    <p:spTree>
+      <p:nvGrpSpPr>
+        <p:cNvPr id="1" name=""/>
+        <p:cNvGrpSpPr/>
+        <p:nvPr/>
+      </p:nvGrpSpPr>
+      <p:grpSpPr>
+        <a:xfrm>
+          <a:off x="0" y="0"/>
+          <a:ext cx="0" cy="0"/>
+          <a:chOff x="0" y="0"/>
+          <a:chExt cx="0" cy="0"/>
+        </a:xfrm>
+      </p:grpSpPr>
+      <p:sp>
+        <p:nvSpPr>
+          <p:cNvPr id="2" name="タイトル 1"/>
+          <p:cNvSpPr>
+            <a:spLocks noGrp="1"/>
+          </p:cNvSpPr>
+          <p:nvPr>
+            <p:ph type="title"/>
+          </p:nvPr>
+        </p:nvSpPr>
+        <p:spPr/>
+        <p:txBody>
+          <a:bodyPr/>
+          <a:lstStyle/>
+          <a:p>
+            <a:r>
+              <a:rPr kumimoji="1" lang="ja-JP" altLang="en-US" dirty="0" smtClean="0"/>
+              <a:t>感想</a:t>
+            </a:r>
+            <a:endParaRPr kumimoji="1" lang="ja-JP" altLang="en-US" dirty="0"/>
+          </a:p>
+        </p:txBody>
+      </p:sp>
+      <p:sp>
+        <p:nvSpPr>
+          <p:cNvPr id="3" name="コンテンツ プレースホルダー 2"/>
+          <p:cNvSpPr>
+            <a:spLocks noGrp="1"/>
+          </p:cNvSpPr>
+          <p:nvPr>
+            <p:ph idx="1"/>
+          </p:nvPr>
+        </p:nvSpPr>
+        <p:spPr/>
+        <p:txBody>
+          <a:bodyPr/>
+          <a:lstStyle/>
+          <a:p>
+            <a:r>
+              <a:rPr kumimoji="1" lang="ja-JP" altLang="en-US" dirty="0" smtClean="0"/>
+              <a:t>題材が</a:t>
+            </a:r>
+            <a:r>
+              <a:rPr kumimoji="1" lang="ja-JP" altLang="en-US" dirty="0" smtClean="0"/>
+              <a:t>わかりやすく、とっつきやすい。後半は自分で拡張していけるつくり</a:t>
+            </a:r>
+            <a:endParaRPr kumimoji="1" lang="en-US" altLang="ja-JP" dirty="0" smtClean="0"/>
+          </a:p>
+          <a:p>
+            <a:endParaRPr lang="en-US" altLang="ja-JP" dirty="0" smtClean="0"/>
+          </a:p>
+          <a:p>
+            <a:r>
+              <a:rPr lang="en-US" altLang="ja-JP" dirty="0" err="1"/>
+              <a:t>Skzk</a:t>
+            </a:r>
+            <a:r>
+              <a:rPr lang="ja-JP" altLang="en-US" dirty="0" err="1"/>
+              <a:t>さんが</a:t>
+            </a:r>
+            <a:r>
+              <a:rPr lang="ja-JP" altLang="en-US" dirty="0"/>
+              <a:t>普段言ってる内容の復習が</a:t>
+            </a:r>
+            <a:r>
+              <a:rPr lang="ja-JP" altLang="en-US" dirty="0" smtClean="0"/>
+              <a:t>多めだったなぁ</a:t>
+            </a:r>
+            <a:endParaRPr lang="en-US" altLang="ja-JP" dirty="0"/>
+          </a:p>
+          <a:p>
+            <a:endParaRPr lang="en-US" altLang="ja-JP" dirty="0"/>
+          </a:p>
+          <a:p>
+            <a:r>
+              <a:rPr lang="ja-JP" altLang="en-US" dirty="0"/>
+              <a:t>本はあくまできっかけ。やっぱり量こなすのが重油</a:t>
+            </a:r>
+            <a:endParaRPr lang="en-US" altLang="ja-JP" dirty="0"/>
+          </a:p>
+          <a:p>
+            <a:pPr marL="82296" indent="0">
+              <a:buNone/>
+            </a:pPr>
+            <a:endParaRPr lang="en-US" altLang="ja-JP" dirty="0"/>
+          </a:p>
+        </p:txBody>
+      </p:sp>
+    </p:spTree>
+    <p:extLst>
+      <p:ext uri="{BB962C8B-B14F-4D97-AF65-F5344CB8AC3E}">
+        <p14:creationId xmlns:p14="http://schemas.microsoft.com/office/powerpoint/2010/main" val="1686085276"/>
       </p:ext>
     </p:extLst>
   </p:cSld>
@@ -5372,6 +5771,182 @@
 </p:sld>
 </file>
 
+<file path=ppt/slides/slide20.xml><?xml version="1.0" encoding="utf-8"?>
+<p:sld xmlns:a="http://schemas.openxmlformats.org/drawingml/2006/main" xmlns:r="http://schemas.openxmlformats.org/officeDocument/2006/relationships" xmlns:p="http://schemas.openxmlformats.org/presentationml/2006/main">
+  <p:cSld>
+    <p:spTree>
+      <p:nvGrpSpPr>
+        <p:cNvPr id="1" name=""/>
+        <p:cNvGrpSpPr/>
+        <p:nvPr/>
+      </p:nvGrpSpPr>
+      <p:grpSpPr>
+        <a:xfrm>
+          <a:off x="0" y="0"/>
+          <a:ext cx="0" cy="0"/>
+          <a:chOff x="0" y="0"/>
+          <a:chExt cx="0" cy="0"/>
+        </a:xfrm>
+      </p:grpSpPr>
+      <p:sp>
+        <p:nvSpPr>
+          <p:cNvPr id="2" name="タイトル 1"/>
+          <p:cNvSpPr>
+            <a:spLocks noGrp="1"/>
+          </p:cNvSpPr>
+          <p:nvPr>
+            <p:ph type="title"/>
+          </p:nvPr>
+        </p:nvSpPr>
+        <p:spPr/>
+        <p:txBody>
+          <a:bodyPr/>
+          <a:lstStyle/>
+          <a:p>
+            <a:r>
+              <a:rPr lang="ja-JP" altLang="en-US" dirty="0"/>
+              <a:t>気付き</a:t>
+            </a:r>
+            <a:endParaRPr kumimoji="1" lang="ja-JP" altLang="en-US" dirty="0"/>
+          </a:p>
+        </p:txBody>
+      </p:sp>
+      <p:sp>
+        <p:nvSpPr>
+          <p:cNvPr id="3" name="コンテンツ プレースホルダー 2"/>
+          <p:cNvSpPr>
+            <a:spLocks noGrp="1"/>
+          </p:cNvSpPr>
+          <p:nvPr>
+            <p:ph idx="1"/>
+          </p:nvPr>
+        </p:nvSpPr>
+        <p:spPr>
+          <a:xfrm>
+            <a:off x="1435608" y="3068960"/>
+            <a:ext cx="7498080" cy="3179440"/>
+          </a:xfrm>
+        </p:spPr>
+        <p:txBody>
+          <a:bodyPr/>
+          <a:lstStyle/>
+          <a:p>
+            <a:pPr marL="82296" indent="0">
+              <a:buNone/>
+            </a:pPr>
+            <a:r>
+              <a:rPr lang="ja-JP" altLang="en-US" dirty="0" smtClean="0"/>
+              <a:t>自腹</a:t>
+            </a:r>
+            <a:r>
+              <a:rPr lang="ja-JP" altLang="en-US" dirty="0" smtClean="0"/>
+              <a:t>で</a:t>
+            </a:r>
+            <a:r>
+              <a:rPr lang="ja-JP" altLang="en-US" dirty="0" smtClean="0"/>
+              <a:t>買えばそれなりに勉強</a:t>
+            </a:r>
+            <a:r>
+              <a:rPr lang="ja-JP" altLang="en-US" dirty="0" smtClean="0"/>
+              <a:t>する</a:t>
+            </a:r>
+            <a:endParaRPr kumimoji="1" lang="ja-JP" altLang="en-US" dirty="0"/>
+          </a:p>
+        </p:txBody>
+      </p:sp>
+    </p:spTree>
+    <p:extLst>
+      <p:ext uri="{BB962C8B-B14F-4D97-AF65-F5344CB8AC3E}">
+        <p14:creationId xmlns:p14="http://schemas.microsoft.com/office/powerpoint/2010/main" val="868550525"/>
+      </p:ext>
+    </p:extLst>
+  </p:cSld>
+  <p:clrMapOvr>
+    <a:masterClrMapping/>
+  </p:clrMapOvr>
+</p:sld>
+</file>
+
+<file path=ppt/slides/slide21.xml><?xml version="1.0" encoding="utf-8"?>
+<p:sld xmlns:a="http://schemas.openxmlformats.org/drawingml/2006/main" xmlns:r="http://schemas.openxmlformats.org/officeDocument/2006/relationships" xmlns:p="http://schemas.openxmlformats.org/presentationml/2006/main">
+  <p:cSld>
+    <p:spTree>
+      <p:nvGrpSpPr>
+        <p:cNvPr id="1" name=""/>
+        <p:cNvGrpSpPr/>
+        <p:nvPr/>
+      </p:nvGrpSpPr>
+      <p:grpSpPr>
+        <a:xfrm>
+          <a:off x="0" y="0"/>
+          <a:ext cx="0" cy="0"/>
+          <a:chOff x="0" y="0"/>
+          <a:chExt cx="0" cy="0"/>
+        </a:xfrm>
+      </p:grpSpPr>
+      <p:sp>
+        <p:nvSpPr>
+          <p:cNvPr id="3" name="コンテンツ プレースホルダー 2"/>
+          <p:cNvSpPr>
+            <a:spLocks noGrp="1"/>
+          </p:cNvSpPr>
+          <p:nvPr>
+            <p:ph idx="1"/>
+          </p:nvPr>
+        </p:nvSpPr>
+        <p:spPr>
+          <a:xfrm>
+            <a:off x="1435608" y="3068960"/>
+            <a:ext cx="7498080" cy="3179440"/>
+          </a:xfrm>
+        </p:spPr>
+        <p:txBody>
+          <a:bodyPr/>
+          <a:lstStyle/>
+          <a:p>
+            <a:pPr marL="82296" indent="0">
+              <a:buNone/>
+            </a:pPr>
+            <a:r>
+              <a:rPr kumimoji="1" lang="ja-JP" altLang="en-US" dirty="0" smtClean="0"/>
+              <a:t>ご清聴ありがとうございました</a:t>
+            </a:r>
+            <a:endParaRPr kumimoji="1" lang="ja-JP" altLang="en-US" dirty="0"/>
+          </a:p>
+        </p:txBody>
+      </p:sp>
+      <p:sp>
+        <p:nvSpPr>
+          <p:cNvPr id="4" name="タイトル 3"/>
+          <p:cNvSpPr>
+            <a:spLocks noGrp="1"/>
+          </p:cNvSpPr>
+          <p:nvPr>
+            <p:ph type="title"/>
+          </p:nvPr>
+        </p:nvSpPr>
+        <p:spPr/>
+        <p:txBody>
+          <a:bodyPr/>
+          <a:lstStyle/>
+          <a:p>
+            <a:endParaRPr kumimoji="1" lang="ja-JP" altLang="en-US"/>
+          </a:p>
+        </p:txBody>
+      </p:sp>
+    </p:spTree>
+    <p:extLst>
+      <p:ext uri="{BB962C8B-B14F-4D97-AF65-F5344CB8AC3E}">
+        <p14:creationId xmlns:p14="http://schemas.microsoft.com/office/powerpoint/2010/main" val="2805364914"/>
+      </p:ext>
+    </p:extLst>
+  </p:cSld>
+  <p:clrMapOvr>
+    <a:masterClrMapping/>
+  </p:clrMapOvr>
+</p:sld>
+</file>
+
 <file path=ppt/slides/slide3.xml><?xml version="1.0" encoding="utf-8"?>
 <p:sld xmlns:a="http://schemas.openxmlformats.org/drawingml/2006/main" xmlns:r="http://schemas.openxmlformats.org/officeDocument/2006/relationships" xmlns:p="http://schemas.openxmlformats.org/presentationml/2006/main">
   <p:cSld>
@@ -5422,22 +5997,22 @@
             <p:ph idx="1"/>
           </p:nvPr>
         </p:nvSpPr>
-        <p:spPr/>
+        <p:spPr>
+          <a:xfrm>
+            <a:off x="1435608" y="1447800"/>
+            <a:ext cx="7498080" cy="2125216"/>
+          </a:xfrm>
+        </p:spPr>
         <p:txBody>
           <a:bodyPr/>
           <a:lstStyle/>
           <a:p>
+            <a:pPr marL="82296" indent="0">
+              <a:buNone/>
+            </a:pPr>
             <a:r>
               <a:rPr kumimoji="1" lang="ja-JP" altLang="en-US" dirty="0" smtClean="0"/>
-              <a:t>みんなレベル高杉</a:t>
-            </a:r>
-            <a:r>
-              <a:rPr kumimoji="1" lang="ja-JP" altLang="en-US" dirty="0" err="1" smtClean="0"/>
-              <a:t>んよ</a:t>
-            </a:r>
-            <a:r>
-              <a:rPr kumimoji="1" lang="ja-JP" altLang="en-US" dirty="0" smtClean="0"/>
-              <a:t>ー</a:t>
+              <a:t>お世話になってる人たち</a:t>
             </a:r>
             <a:endParaRPr kumimoji="1" lang="ja-JP" altLang="en-US" dirty="0"/>
           </a:p>
@@ -5485,12 +6060,14 @@
         </p:nvSpPr>
         <p:spPr/>
         <p:txBody>
-          <a:bodyPr/>
+          <a:bodyPr>
+            <a:normAutofit/>
+          </a:bodyPr>
           <a:lstStyle/>
           <a:p>
             <a:r>
               <a:rPr kumimoji="1" lang="ja-JP" altLang="en-US" dirty="0" smtClean="0"/>
-              <a:t>もくろみ</a:t>
+              <a:t>本の概要</a:t>
             </a:r>
             <a:endParaRPr kumimoji="1" lang="ja-JP" altLang="en-US" dirty="0"/>
           </a:p>
@@ -5508,44 +6085,101 @@
         </p:nvSpPr>
         <p:spPr/>
         <p:txBody>
-          <a:bodyPr/>
+          <a:bodyPr>
+            <a:normAutofit/>
+          </a:bodyPr>
           <a:lstStyle/>
           <a:p>
             <a:r>
               <a:rPr kumimoji="1" lang="ja-JP" altLang="en-US" dirty="0" smtClean="0"/>
-              <a:t>まず非オブジェクトでやってみる</a:t>
+              <a:t>プログラムって何だろう？</a:t>
             </a:r>
             <a:endParaRPr kumimoji="1" lang="en-US" altLang="ja-JP" dirty="0" smtClean="0"/>
           </a:p>
           <a:p>
+            <a:pPr marL="82296" indent="0">
+              <a:buNone/>
+            </a:pPr>
+            <a:endParaRPr kumimoji="1" lang="en-US" altLang="ja-JP" dirty="0" smtClean="0"/>
+          </a:p>
+          <a:p>
+            <a:r>
+              <a:rPr kumimoji="1" lang="ja-JP" altLang="en-US" dirty="0" smtClean="0"/>
+              <a:t>まず</a:t>
+            </a:r>
+            <a:r>
+              <a:rPr kumimoji="1" lang="ja-JP" altLang="en-US" dirty="0" smtClean="0"/>
+              <a:t>非オブジェクト</a:t>
+            </a:r>
+            <a:r>
+              <a:rPr kumimoji="1" lang="ja-JP" altLang="en-US" dirty="0" smtClean="0"/>
+              <a:t>でプログラムをやって</a:t>
+            </a:r>
+            <a:r>
+              <a:rPr kumimoji="1" lang="ja-JP" altLang="en-US" dirty="0" smtClean="0"/>
+              <a:t>みる</a:t>
+            </a:r>
+            <a:endParaRPr kumimoji="1" lang="en-US" altLang="ja-JP" dirty="0" smtClean="0"/>
+          </a:p>
+          <a:p>
             <a:endParaRPr lang="en-US" altLang="ja-JP" dirty="0"/>
           </a:p>
           <a:p>
+            <a:pPr marL="82296" indent="0">
+              <a:buNone/>
+            </a:pPr>
+            <a:endParaRPr lang="en-US" altLang="ja-JP" dirty="0"/>
+          </a:p>
+          <a:p>
             <a:r>
               <a:rPr kumimoji="1" lang="ja-JP" altLang="en-US" dirty="0" smtClean="0"/>
-              <a:t>↓</a:t>
+              <a:t>オブジェクト</a:t>
+            </a:r>
+            <a:r>
+              <a:rPr kumimoji="1" lang="ja-JP" altLang="en-US" dirty="0" smtClean="0"/>
+              <a:t>指向で作り直す</a:t>
             </a:r>
             <a:endParaRPr kumimoji="1" lang="en-US" altLang="ja-JP" dirty="0" smtClean="0"/>
           </a:p>
-          <a:p>
-            <a:endParaRPr lang="en-US" altLang="ja-JP" dirty="0"/>
-          </a:p>
-          <a:p>
-            <a:r>
-              <a:rPr kumimoji="1" lang="ja-JP" altLang="en-US" dirty="0" smtClean="0"/>
-              <a:t>オブジェクト指向に直す</a:t>
-            </a:r>
-            <a:endParaRPr kumimoji="1" lang="en-US" altLang="ja-JP" dirty="0" smtClean="0"/>
-          </a:p>
-          <a:p>
-            <a:endParaRPr lang="en-US" altLang="ja-JP" dirty="0"/>
-          </a:p>
-          <a:p>
-            <a:r>
-              <a:rPr kumimoji="1" lang="ja-JP" altLang="en-US" dirty="0" smtClean="0"/>
-              <a:t>なんということでしょう！！</a:t>
-            </a:r>
-            <a:endParaRPr kumimoji="1" lang="ja-JP" altLang="en-US" dirty="0"/>
+        </p:txBody>
+      </p:sp>
+      <p:sp>
+        <p:nvSpPr>
+          <p:cNvPr id="4" name="下矢印 3"/>
+          <p:cNvSpPr/>
+          <p:nvPr/>
+        </p:nvSpPr>
+        <p:spPr>
+          <a:xfrm>
+            <a:off x="4283968" y="3691447"/>
+            <a:ext cx="1224136" cy="936104"/>
+          </a:xfrm>
+          <a:prstGeom prst="downArrow">
+            <a:avLst/>
+          </a:prstGeom>
+        </p:spPr>
+        <p:style>
+          <a:lnRef idx="2">
+            <a:schemeClr val="accent1">
+              <a:shade val="50000"/>
+            </a:schemeClr>
+          </a:lnRef>
+          <a:fillRef idx="1">
+            <a:schemeClr val="accent1"/>
+          </a:fillRef>
+          <a:effectRef idx="0">
+            <a:schemeClr val="accent1"/>
+          </a:effectRef>
+          <a:fontRef idx="minor">
+            <a:schemeClr val="lt1"/>
+          </a:fontRef>
+        </p:style>
+        <p:txBody>
+          <a:bodyPr rtlCol="0" anchor="ctr"/>
+          <a:lstStyle/>
+          <a:p>
+            <a:pPr algn="ctr"/>
+            <a:endParaRPr kumimoji="1" lang="ja-JP" altLang="en-US"/>
           </a:p>
         </p:txBody>
       </p:sp>
@@ -5596,7 +6230,7 @@
           <a:p>
             <a:r>
               <a:rPr kumimoji="1" lang="ja-JP" altLang="en-US" dirty="0" smtClean="0"/>
-              <a:t>プログラミングとは？</a:t>
+              <a:t>プログラミングの流れ</a:t>
             </a:r>
             <a:endParaRPr kumimoji="1" lang="ja-JP" altLang="en-US" dirty="0"/>
           </a:p>
@@ -5806,7 +6440,311 @@
           <a:p>
             <a:r>
               <a:rPr kumimoji="1" lang="ja-JP" altLang="en-US" dirty="0" smtClean="0"/>
-              <a:t>プログラミングとは？</a:t>
+              <a:t>プログラミングの流れ</a:t>
+            </a:r>
+            <a:endParaRPr kumimoji="1" lang="ja-JP" altLang="en-US" dirty="0"/>
+          </a:p>
+        </p:txBody>
+      </p:sp>
+      <p:sp>
+        <p:nvSpPr>
+          <p:cNvPr id="3" name="コンテンツ プレースホルダー 2"/>
+          <p:cNvSpPr>
+            <a:spLocks noGrp="1"/>
+          </p:cNvSpPr>
+          <p:nvPr>
+            <p:ph idx="1"/>
+          </p:nvPr>
+        </p:nvSpPr>
+        <p:spPr>
+          <a:xfrm>
+            <a:off x="899592" y="1447800"/>
+            <a:ext cx="8136904" cy="4800600"/>
+          </a:xfrm>
+        </p:spPr>
+        <p:txBody>
+          <a:bodyPr>
+            <a:normAutofit/>
+          </a:bodyPr>
+          <a:lstStyle/>
+          <a:p>
+            <a:pPr marL="82296" indent="0">
+              <a:buNone/>
+            </a:pPr>
+            <a:r>
+              <a:rPr kumimoji="1" lang="ja-JP" altLang="en-US" sz="2800" dirty="0" smtClean="0"/>
+              <a:t>①コンピュータに行わせたいことを理解する</a:t>
+            </a:r>
+            <a:endParaRPr kumimoji="1" lang="en-US" altLang="ja-JP" sz="2800" dirty="0" smtClean="0"/>
+          </a:p>
+          <a:p>
+            <a:pPr marL="82296" indent="0">
+              <a:buNone/>
+            </a:pPr>
+            <a:endParaRPr lang="en-US" altLang="ja-JP" sz="2800" dirty="0" smtClean="0"/>
+          </a:p>
+          <a:p>
+            <a:pPr marL="82296" indent="0">
+              <a:buNone/>
+            </a:pPr>
+            <a:endParaRPr lang="en-US" altLang="ja-JP" sz="2800" dirty="0"/>
+          </a:p>
+          <a:p>
+            <a:pPr marL="82296" indent="0">
+              <a:buNone/>
+            </a:pPr>
+            <a:r>
+              <a:rPr kumimoji="1" lang="ja-JP" altLang="en-US" sz="2800" dirty="0" smtClean="0"/>
+              <a:t>②理解したことを説明できるレベルまで整理する</a:t>
+            </a:r>
+            <a:endParaRPr kumimoji="1" lang="en-US" altLang="ja-JP" sz="2800" dirty="0" smtClean="0"/>
+          </a:p>
+          <a:p>
+            <a:pPr marL="82296" indent="0">
+              <a:buNone/>
+            </a:pPr>
+            <a:endParaRPr lang="en-US" altLang="ja-JP" sz="2800" dirty="0" smtClean="0"/>
+          </a:p>
+          <a:p>
+            <a:pPr marL="82296" indent="0">
+              <a:buNone/>
+            </a:pPr>
+            <a:endParaRPr lang="en-US" altLang="ja-JP" sz="2800" dirty="0"/>
+          </a:p>
+          <a:p>
+            <a:pPr marL="82296" indent="0">
+              <a:buNone/>
+            </a:pPr>
+            <a:r>
+              <a:rPr lang="ja-JP" altLang="en-US" sz="2800" dirty="0" smtClean="0"/>
+              <a:t>③コンピュータにわかる言葉へ翻訳する</a:t>
+            </a:r>
+            <a:endParaRPr kumimoji="1" lang="ja-JP" altLang="en-US" sz="2800" dirty="0"/>
+          </a:p>
+        </p:txBody>
+      </p:sp>
+      <p:sp>
+        <p:nvSpPr>
+          <p:cNvPr id="4" name="下矢印 3"/>
+          <p:cNvSpPr/>
+          <p:nvPr/>
+        </p:nvSpPr>
+        <p:spPr>
+          <a:xfrm>
+            <a:off x="4211960" y="2060848"/>
+            <a:ext cx="936104" cy="720080"/>
+          </a:xfrm>
+          <a:prstGeom prst="downArrow">
+            <a:avLst/>
+          </a:prstGeom>
+        </p:spPr>
+        <p:style>
+          <a:lnRef idx="2">
+            <a:schemeClr val="accent1">
+              <a:shade val="50000"/>
+            </a:schemeClr>
+          </a:lnRef>
+          <a:fillRef idx="1">
+            <a:schemeClr val="accent1"/>
+          </a:fillRef>
+          <a:effectRef idx="0">
+            <a:schemeClr val="accent1"/>
+          </a:effectRef>
+          <a:fontRef idx="minor">
+            <a:schemeClr val="lt1"/>
+          </a:fontRef>
+        </p:style>
+        <p:txBody>
+          <a:bodyPr rtlCol="0" anchor="ctr"/>
+          <a:lstStyle/>
+          <a:p>
+            <a:pPr algn="ctr"/>
+            <a:endParaRPr kumimoji="1" lang="ja-JP" altLang="en-US"/>
+          </a:p>
+        </p:txBody>
+      </p:sp>
+      <p:sp>
+        <p:nvSpPr>
+          <p:cNvPr id="5" name="下矢印 4"/>
+          <p:cNvSpPr/>
+          <p:nvPr/>
+        </p:nvSpPr>
+        <p:spPr>
+          <a:xfrm>
+            <a:off x="4211960" y="3645024"/>
+            <a:ext cx="936104" cy="720080"/>
+          </a:xfrm>
+          <a:prstGeom prst="downArrow">
+            <a:avLst/>
+          </a:prstGeom>
+        </p:spPr>
+        <p:style>
+          <a:lnRef idx="2">
+            <a:schemeClr val="accent1">
+              <a:shade val="50000"/>
+            </a:schemeClr>
+          </a:lnRef>
+          <a:fillRef idx="1">
+            <a:schemeClr val="accent1"/>
+          </a:fillRef>
+          <a:effectRef idx="0">
+            <a:schemeClr val="accent1"/>
+          </a:effectRef>
+          <a:fontRef idx="minor">
+            <a:schemeClr val="lt1"/>
+          </a:fontRef>
+        </p:style>
+        <p:txBody>
+          <a:bodyPr rtlCol="0" anchor="ctr"/>
+          <a:lstStyle/>
+          <a:p>
+            <a:pPr algn="ctr"/>
+            <a:endParaRPr kumimoji="1" lang="ja-JP" altLang="en-US"/>
+          </a:p>
+        </p:txBody>
+      </p:sp>
+      <p:sp>
+        <p:nvSpPr>
+          <p:cNvPr id="6" name="テキスト ボックス 5"/>
+          <p:cNvSpPr txBox="1"/>
+          <p:nvPr/>
+        </p:nvSpPr>
+        <p:spPr>
+          <a:xfrm>
+            <a:off x="5580112" y="1970567"/>
+            <a:ext cx="2376264" cy="461665"/>
+          </a:xfrm>
+          <a:prstGeom prst="rect">
+            <a:avLst/>
+          </a:prstGeom>
+          <a:noFill/>
+        </p:spPr>
+        <p:txBody>
+          <a:bodyPr wrap="square" rtlCol="0">
+            <a:spAutoFit/>
+          </a:bodyPr>
+          <a:lstStyle/>
+          <a:p>
+            <a:r>
+              <a:rPr kumimoji="1" lang="ja-JP" altLang="en-US" sz="2400" dirty="0" smtClean="0"/>
+              <a:t>仕様理解</a:t>
+            </a:r>
+            <a:endParaRPr kumimoji="1" lang="ja-JP" altLang="en-US" sz="2400" dirty="0"/>
+          </a:p>
+        </p:txBody>
+      </p:sp>
+      <p:sp>
+        <p:nvSpPr>
+          <p:cNvPr id="7" name="テキスト ボックス 6"/>
+          <p:cNvSpPr txBox="1"/>
+          <p:nvPr/>
+        </p:nvSpPr>
+        <p:spPr>
+          <a:xfrm>
+            <a:off x="5580112" y="3423974"/>
+            <a:ext cx="2376264" cy="461665"/>
+          </a:xfrm>
+          <a:prstGeom prst="rect">
+            <a:avLst/>
+          </a:prstGeom>
+          <a:noFill/>
+        </p:spPr>
+        <p:txBody>
+          <a:bodyPr wrap="square" rtlCol="0">
+            <a:spAutoFit/>
+          </a:bodyPr>
+          <a:lstStyle/>
+          <a:p>
+            <a:r>
+              <a:rPr kumimoji="1" lang="ja-JP" altLang="en-US" sz="2400" dirty="0" smtClean="0"/>
+              <a:t>設計</a:t>
+            </a:r>
+            <a:endParaRPr kumimoji="1" lang="ja-JP" altLang="en-US" sz="2400" dirty="0"/>
+          </a:p>
+        </p:txBody>
+      </p:sp>
+      <p:sp>
+        <p:nvSpPr>
+          <p:cNvPr id="8" name="テキスト ボックス 7"/>
+          <p:cNvSpPr txBox="1"/>
+          <p:nvPr/>
+        </p:nvSpPr>
+        <p:spPr>
+          <a:xfrm>
+            <a:off x="5580112" y="4941168"/>
+            <a:ext cx="3024336" cy="461665"/>
+          </a:xfrm>
+          <a:prstGeom prst="rect">
+            <a:avLst/>
+          </a:prstGeom>
+          <a:noFill/>
+        </p:spPr>
+        <p:txBody>
+          <a:bodyPr wrap="square" rtlCol="0">
+            <a:spAutoFit/>
+          </a:bodyPr>
+          <a:lstStyle/>
+          <a:p>
+            <a:r>
+              <a:rPr kumimoji="1" lang="ja-JP" altLang="en-US" sz="2400" dirty="0" smtClean="0"/>
+              <a:t>プログラム言語知識</a:t>
+            </a:r>
+            <a:endParaRPr kumimoji="1" lang="ja-JP" altLang="en-US" sz="2400" dirty="0"/>
+          </a:p>
+        </p:txBody>
+      </p:sp>
+    </p:spTree>
+    <p:extLst>
+      <p:ext uri="{BB962C8B-B14F-4D97-AF65-F5344CB8AC3E}">
+        <p14:creationId xmlns:p14="http://schemas.microsoft.com/office/powerpoint/2010/main" val="9406206"/>
+      </p:ext>
+    </p:extLst>
+  </p:cSld>
+  <p:clrMapOvr>
+    <a:masterClrMapping/>
+  </p:clrMapOvr>
+</p:sld>
+</file>
+
+<file path=ppt/slides/slide7.xml><?xml version="1.0" encoding="utf-8"?>
+<p:sld xmlns:a="http://schemas.openxmlformats.org/drawingml/2006/main" xmlns:r="http://schemas.openxmlformats.org/officeDocument/2006/relationships" xmlns:p="http://schemas.openxmlformats.org/presentationml/2006/main">
+  <p:cSld>
+    <p:spTree>
+      <p:nvGrpSpPr>
+        <p:cNvPr id="1" name=""/>
+        <p:cNvGrpSpPr/>
+        <p:nvPr/>
+      </p:nvGrpSpPr>
+      <p:grpSpPr>
+        <a:xfrm>
+          <a:off x="0" y="0"/>
+          <a:ext cx="0" cy="0"/>
+          <a:chOff x="0" y="0"/>
+          <a:chExt cx="0" cy="0"/>
+        </a:xfrm>
+      </p:grpSpPr>
+      <p:sp>
+        <p:nvSpPr>
+          <p:cNvPr id="2" name="タイトル 1"/>
+          <p:cNvSpPr>
+            <a:spLocks noGrp="1"/>
+          </p:cNvSpPr>
+          <p:nvPr>
+            <p:ph type="title"/>
+          </p:nvPr>
+        </p:nvSpPr>
+        <p:spPr/>
+        <p:txBody>
+          <a:bodyPr/>
+          <a:lstStyle/>
+          <a:p>
+            <a:r>
+              <a:rPr kumimoji="1" lang="ja-JP" altLang="en-US" dirty="0" smtClean="0"/>
+              <a:t>プログラミング</a:t>
+            </a:r>
+            <a:r>
+              <a:rPr lang="ja-JP" altLang="en-US" dirty="0"/>
+              <a:t>の流れ</a:t>
             </a:r>
             <a:endParaRPr kumimoji="1" lang="ja-JP" altLang="en-US" dirty="0"/>
           </a:p>
@@ -6076,7 +7014,7 @@
         <p:spPr>
           <a:xfrm>
             <a:off x="942244" y="5868214"/>
-            <a:ext cx="7560840" cy="523220"/>
+            <a:ext cx="7560840" cy="584775"/>
           </a:xfrm>
           <a:prstGeom prst="rect">
             <a:avLst/>
@@ -6090,10 +7028,104 @@
           <a:lstStyle/>
           <a:p>
             <a:r>
-              <a:rPr lang="ja-JP" altLang="en-US" sz="2800" b="1" dirty="0" smtClean="0"/>
-              <a:t>オブジェクト指向開発ではこの作業が大事！</a:t>
-            </a:r>
-            <a:endParaRPr kumimoji="1" lang="ja-JP" altLang="en-US" sz="2800" b="1" dirty="0"/>
+              <a:rPr lang="ja-JP" altLang="en-US" sz="3200" b="1" u="sng" dirty="0" smtClean="0"/>
+              <a:t>プログラミングで</a:t>
+            </a:r>
+            <a:r>
+              <a:rPr lang="ja-JP" altLang="en-US" sz="3200" b="1" u="sng" dirty="0" smtClean="0"/>
+              <a:t>はこの作業が大事！</a:t>
+            </a:r>
+            <a:endParaRPr kumimoji="1" lang="ja-JP" altLang="en-US" sz="3200" b="1" u="sng" dirty="0"/>
+          </a:p>
+        </p:txBody>
+      </p:sp>
+      <p:sp>
+        <p:nvSpPr>
+          <p:cNvPr id="10" name="テキスト ボックス 9"/>
+          <p:cNvSpPr txBox="1"/>
+          <p:nvPr/>
+        </p:nvSpPr>
+        <p:spPr>
+          <a:xfrm>
+            <a:off x="5580112" y="1970567"/>
+            <a:ext cx="2376264" cy="461665"/>
+          </a:xfrm>
+          <a:prstGeom prst="rect">
+            <a:avLst/>
+          </a:prstGeom>
+          <a:noFill/>
+        </p:spPr>
+        <p:txBody>
+          <a:bodyPr wrap="square" rtlCol="0">
+            <a:spAutoFit/>
+          </a:bodyPr>
+          <a:lstStyle/>
+          <a:p>
+            <a:r>
+              <a:rPr kumimoji="1" lang="ja-JP" altLang="en-US" sz="2400" dirty="0" smtClean="0"/>
+              <a:t>仕様理解</a:t>
+            </a:r>
+            <a:endParaRPr kumimoji="1" lang="ja-JP" altLang="en-US" sz="2400" dirty="0"/>
+          </a:p>
+        </p:txBody>
+      </p:sp>
+      <p:sp>
+        <p:nvSpPr>
+          <p:cNvPr id="11" name="テキスト ボックス 10"/>
+          <p:cNvSpPr txBox="1"/>
+          <p:nvPr/>
+        </p:nvSpPr>
+        <p:spPr>
+          <a:xfrm>
+            <a:off x="5580112" y="3423974"/>
+            <a:ext cx="2376264" cy="461665"/>
+          </a:xfrm>
+          <a:prstGeom prst="rect">
+            <a:avLst/>
+          </a:prstGeom>
+          <a:noFill/>
+        </p:spPr>
+        <p:txBody>
+          <a:bodyPr wrap="square" rtlCol="0">
+            <a:spAutoFit/>
+          </a:bodyPr>
+          <a:lstStyle/>
+          <a:p>
+            <a:r>
+              <a:rPr kumimoji="1" lang="ja-JP" altLang="en-US" sz="2400" dirty="0" smtClean="0"/>
+              <a:t>設計</a:t>
+            </a:r>
+            <a:endParaRPr kumimoji="1" lang="ja-JP" altLang="en-US" sz="2400" dirty="0"/>
+          </a:p>
+        </p:txBody>
+      </p:sp>
+      <p:sp>
+        <p:nvSpPr>
+          <p:cNvPr id="12" name="テキスト ボックス 11"/>
+          <p:cNvSpPr txBox="1"/>
+          <p:nvPr/>
+        </p:nvSpPr>
+        <p:spPr>
+          <a:xfrm>
+            <a:off x="5580112" y="4941168"/>
+            <a:ext cx="3024336" cy="461665"/>
+          </a:xfrm>
+          <a:prstGeom prst="rect">
+            <a:avLst/>
+          </a:prstGeom>
+          <a:noFill/>
+        </p:spPr>
+        <p:txBody>
+          <a:bodyPr wrap="square" rtlCol="0">
+            <a:spAutoFit/>
+          </a:bodyPr>
+          <a:lstStyle/>
+          <a:p>
+            <a:r>
+              <a:rPr kumimoji="1" lang="ja-JP" altLang="en-US" sz="2400" dirty="0" smtClean="0"/>
+              <a:t>プログラム言語知識</a:t>
+            </a:r>
+            <a:endParaRPr kumimoji="1" lang="ja-JP" altLang="en-US" sz="2400" dirty="0"/>
           </a:p>
         </p:txBody>
       </p:sp>
@@ -6101,74 +7133,6 @@
     <p:extLst>
       <p:ext uri="{BB962C8B-B14F-4D97-AF65-F5344CB8AC3E}">
         <p14:creationId xmlns:p14="http://schemas.microsoft.com/office/powerpoint/2010/main" val="1177345401"/>
-      </p:ext>
-    </p:extLst>
-  </p:cSld>
-  <p:clrMapOvr>
-    <a:masterClrMapping/>
-  </p:clrMapOvr>
-</p:sld>
-</file>
-
-<file path=ppt/slides/slide7.xml><?xml version="1.0" encoding="utf-8"?>
-<p:sld xmlns:a="http://schemas.openxmlformats.org/drawingml/2006/main" xmlns:r="http://schemas.openxmlformats.org/officeDocument/2006/relationships" xmlns:p="http://schemas.openxmlformats.org/presentationml/2006/main">
-  <p:cSld>
-    <p:spTree>
-      <p:nvGrpSpPr>
-        <p:cNvPr id="1" name=""/>
-        <p:cNvGrpSpPr/>
-        <p:nvPr/>
-      </p:nvGrpSpPr>
-      <p:grpSpPr>
-        <a:xfrm>
-          <a:off x="0" y="0"/>
-          <a:ext cx="0" cy="0"/>
-          <a:chOff x="0" y="0"/>
-          <a:chExt cx="0" cy="0"/>
-        </a:xfrm>
-      </p:grpSpPr>
-      <p:sp>
-        <p:nvSpPr>
-          <p:cNvPr id="2" name="タイトル 1"/>
-          <p:cNvSpPr>
-            <a:spLocks noGrp="1"/>
-          </p:cNvSpPr>
-          <p:nvPr>
-            <p:ph type="title"/>
-          </p:nvPr>
-        </p:nvSpPr>
-        <p:spPr/>
-        <p:txBody>
-          <a:bodyPr/>
-          <a:lstStyle/>
-          <a:p>
-            <a:endParaRPr kumimoji="1" lang="ja-JP" altLang="en-US"/>
-          </a:p>
-        </p:txBody>
-      </p:sp>
-      <p:sp>
-        <p:nvSpPr>
-          <p:cNvPr id="3" name="コンテンツ プレースホルダー 2"/>
-          <p:cNvSpPr>
-            <a:spLocks noGrp="1"/>
-          </p:cNvSpPr>
-          <p:nvPr>
-            <p:ph idx="1"/>
-          </p:nvPr>
-        </p:nvSpPr>
-        <p:spPr/>
-        <p:txBody>
-          <a:bodyPr/>
-          <a:lstStyle/>
-          <a:p>
-            <a:endParaRPr kumimoji="1" lang="ja-JP" altLang="en-US"/>
-          </a:p>
-        </p:txBody>
-      </p:sp>
-    </p:spTree>
-    <p:extLst>
-      <p:ext uri="{BB962C8B-B14F-4D97-AF65-F5344CB8AC3E}">
-        <p14:creationId xmlns:p14="http://schemas.microsoft.com/office/powerpoint/2010/main" val="3925623356"/>
       </p:ext>
     </p:extLst>
   </p:cSld>
@@ -6210,7 +7174,11 @@
           <a:bodyPr/>
           <a:lstStyle/>
           <a:p>
-            <a:endParaRPr kumimoji="1" lang="ja-JP" altLang="en-US"/>
+            <a:r>
+              <a:rPr kumimoji="1" lang="ja-JP" altLang="en-US" dirty="0" smtClean="0"/>
+              <a:t>つくってみる</a:t>
+            </a:r>
+            <a:endParaRPr kumimoji="1" lang="ja-JP" altLang="en-US" dirty="0"/>
           </a:p>
         </p:txBody>
       </p:sp>
@@ -6229,7 +7197,41 @@
           <a:bodyPr/>
           <a:lstStyle/>
           <a:p>
-            <a:endParaRPr kumimoji="1" lang="ja-JP" altLang="en-US"/>
+            <a:r>
+              <a:rPr kumimoji="1" lang="ja-JP" altLang="en-US" dirty="0" smtClean="0"/>
+              <a:t>２人のプレイヤーがじゃんけんをする</a:t>
+            </a:r>
+            <a:endParaRPr kumimoji="1" lang="en-US" altLang="ja-JP" dirty="0" smtClean="0"/>
+          </a:p>
+          <a:p>
+            <a:endParaRPr lang="en-US" altLang="ja-JP" dirty="0"/>
+          </a:p>
+          <a:p>
+            <a:r>
+              <a:rPr kumimoji="1" lang="ja-JP" altLang="en-US" dirty="0" smtClean="0"/>
+              <a:t>じゃんけんは３回勝負</a:t>
+            </a:r>
+            <a:endParaRPr kumimoji="1" lang="en-US" altLang="ja-JP" dirty="0" smtClean="0"/>
+          </a:p>
+          <a:p>
+            <a:endParaRPr lang="en-US" altLang="ja-JP" dirty="0"/>
+          </a:p>
+          <a:p>
+            <a:r>
+              <a:rPr kumimoji="1" lang="ja-JP" altLang="en-US" dirty="0" smtClean="0"/>
+              <a:t>３回勝負の後、勝ち数の多い方が勝ち</a:t>
+            </a:r>
+            <a:endParaRPr kumimoji="1" lang="en-US" altLang="ja-JP" dirty="0" smtClean="0"/>
+          </a:p>
+          <a:p>
+            <a:endParaRPr lang="en-US" altLang="ja-JP" dirty="0"/>
+          </a:p>
+          <a:p>
+            <a:r>
+              <a:rPr kumimoji="1" lang="ja-JP" altLang="en-US" dirty="0" smtClean="0"/>
+              <a:t>勝ち数が同じの場合は引き分け</a:t>
+            </a:r>
+            <a:endParaRPr kumimoji="1" lang="ja-JP" altLang="en-US" dirty="0"/>
           </a:p>
         </p:txBody>
       </p:sp>
@@ -6265,7 +7267,109 @@
       </p:grpSpPr>
       <p:sp>
         <p:nvSpPr>
-          <p:cNvPr id="2" name="タイトル 1"/>
+          <p:cNvPr id="3" name="コンテンツ プレースホルダー 2"/>
+          <p:cNvSpPr>
+            <a:spLocks noGrp="1"/>
+          </p:cNvSpPr>
+          <p:nvPr>
+            <p:ph idx="1"/>
+          </p:nvPr>
+        </p:nvSpPr>
+        <p:spPr/>
+        <p:txBody>
+          <a:bodyPr>
+            <a:normAutofit/>
+          </a:bodyPr>
+          <a:lstStyle/>
+          <a:p>
+            <a:pPr marL="82296" indent="0">
+              <a:buNone/>
+            </a:pPr>
+            <a:r>
+              <a:rPr kumimoji="1" lang="ja-JP" altLang="en-US" dirty="0" smtClean="0"/>
+              <a:t>①ジャンケン開始を表示</a:t>
+            </a:r>
+            <a:endParaRPr kumimoji="1" lang="en-US" altLang="ja-JP" dirty="0" smtClean="0"/>
+          </a:p>
+          <a:p>
+            <a:pPr marL="82296" indent="0">
+              <a:buNone/>
+            </a:pPr>
+            <a:r>
+              <a:rPr lang="ja-JP" altLang="en-US" dirty="0" smtClean="0"/>
+              <a:t>②プレイヤー１が出す手を決める</a:t>
+            </a:r>
+            <a:endParaRPr lang="en-US" altLang="ja-JP" dirty="0" smtClean="0"/>
+          </a:p>
+          <a:p>
+            <a:pPr marL="82296" indent="0">
+              <a:buNone/>
+            </a:pPr>
+            <a:r>
+              <a:rPr lang="ja-JP" altLang="en-US" dirty="0" smtClean="0"/>
+              <a:t>③プレイヤー２が</a:t>
+            </a:r>
+            <a:r>
+              <a:rPr lang="ja-JP" altLang="en-US" dirty="0"/>
+              <a:t>出す手を決める</a:t>
+            </a:r>
+            <a:endParaRPr lang="en-US" altLang="ja-JP" dirty="0"/>
+          </a:p>
+          <a:p>
+            <a:pPr marL="82296" indent="0">
+              <a:buNone/>
+            </a:pPr>
+            <a:r>
+              <a:rPr kumimoji="1" lang="ja-JP" altLang="en-US" dirty="0" smtClean="0"/>
+              <a:t>④勝ちの判定をし、結果を表示</a:t>
+            </a:r>
+            <a:endParaRPr kumimoji="1" lang="en-US" altLang="ja-JP" dirty="0" smtClean="0"/>
+          </a:p>
+          <a:p>
+            <a:pPr marL="82296" indent="0">
+              <a:buNone/>
+            </a:pPr>
+            <a:r>
+              <a:rPr lang="ja-JP" altLang="en-US" dirty="0" smtClean="0"/>
+              <a:t>⑤勝ったプレイヤーの勝利数に１加算</a:t>
+            </a:r>
+            <a:endParaRPr kumimoji="1" lang="en-US" altLang="ja-JP" dirty="0" smtClean="0"/>
+          </a:p>
+          <a:p>
+            <a:pPr marL="82296" indent="0">
+              <a:buNone/>
+            </a:pPr>
+            <a:r>
+              <a:rPr lang="ja-JP" altLang="en-US" dirty="0" smtClean="0"/>
+              <a:t>⑥勝負回数を１回加算</a:t>
+            </a:r>
+            <a:endParaRPr lang="en-US" altLang="ja-JP" dirty="0" smtClean="0"/>
+          </a:p>
+          <a:p>
+            <a:pPr marL="82296" indent="0">
+              <a:buNone/>
+            </a:pPr>
+            <a:r>
+              <a:rPr kumimoji="1" lang="ja-JP" altLang="en-US" dirty="0" smtClean="0"/>
+              <a:t>⑦勝負回数が３に満たなければ②へ</a:t>
+            </a:r>
+            <a:endParaRPr kumimoji="1" lang="en-US" altLang="ja-JP" dirty="0" smtClean="0"/>
+          </a:p>
+          <a:p>
+            <a:pPr marL="82296" indent="0">
+              <a:buNone/>
+            </a:pPr>
+            <a:r>
+              <a:rPr kumimoji="1" lang="ja-JP" altLang="en-US" dirty="0" smtClean="0"/>
+              <a:t>⑧最終結果を表示</a:t>
+            </a:r>
+            <a:endParaRPr kumimoji="1" lang="en-US" altLang="ja-JP" dirty="0" smtClean="0"/>
+          </a:p>
+        </p:txBody>
+      </p:sp>
+      <p:sp>
+        <p:nvSpPr>
+          <p:cNvPr id="4" name="タイトル 3"/>
           <p:cNvSpPr>
             <a:spLocks noGrp="1"/>
           </p:cNvSpPr>
@@ -6280,27 +7384,8 @@
           <a:p>
             <a:r>
               <a:rPr kumimoji="1" lang="ja-JP" altLang="en-US" dirty="0" smtClean="0"/>
-              <a:t>実際にやってみた</a:t>
-            </a:r>
-            <a:endParaRPr kumimoji="1" lang="ja-JP" altLang="en-US" dirty="0"/>
-          </a:p>
-        </p:txBody>
-      </p:sp>
-      <p:sp>
-        <p:nvSpPr>
-          <p:cNvPr id="3" name="コンテンツ プレースホルダー 2"/>
-          <p:cNvSpPr>
-            <a:spLocks noGrp="1"/>
-          </p:cNvSpPr>
-          <p:nvPr>
-            <p:ph idx="1"/>
-          </p:nvPr>
-        </p:nvSpPr>
-        <p:spPr/>
-        <p:txBody>
-          <a:bodyPr/>
-          <a:lstStyle/>
-          <a:p>
+              <a:t>脳内フローチャート</a:t>
+            </a:r>
             <a:endParaRPr kumimoji="1" lang="ja-JP" altLang="en-US" dirty="0"/>
           </a:p>
         </p:txBody>
@@ -6308,7 +7393,7 @@
     </p:spTree>
     <p:extLst>
       <p:ext uri="{BB962C8B-B14F-4D97-AF65-F5344CB8AC3E}">
-        <p14:creationId xmlns:p14="http://schemas.microsoft.com/office/powerpoint/2010/main" val="3488224969"/>
+        <p14:creationId xmlns:p14="http://schemas.microsoft.com/office/powerpoint/2010/main" val="3783224327"/>
       </p:ext>
     </p:extLst>
   </p:cSld>
